--- a/slides/Introduction to Apache Spark.pptx
+++ b/slides/Introduction to Apache Spark.pptx
@@ -45,6 +45,10 @@
     <p:sldId id="307" r:id="rId39"/>
     <p:sldId id="309" r:id="rId40"/>
     <p:sldId id="308" r:id="rId41"/>
+    <p:sldId id="310" r:id="rId42"/>
+    <p:sldId id="311" r:id="rId43"/>
+    <p:sldId id="312" r:id="rId44"/>
+    <p:sldId id="313" r:id="rId45"/>
   </p:sldIdLst>
   <p:sldSz cx="12192000" cy="6858000"/>
   <p:notesSz cx="6858000" cy="9144000"/>
@@ -220,6 +224,10 @@
             <p14:sldId id="307"/>
             <p14:sldId id="309"/>
             <p14:sldId id="308"/>
+            <p14:sldId id="310"/>
+            <p14:sldId id="311"/>
+            <p14:sldId id="312"/>
+            <p14:sldId id="313"/>
           </p14:sldIdLst>
         </p14:section>
       </p14:sectionLst>
@@ -234,7 +242,7 @@
 <file path=ppt/revisionInfo.xml><?xml version="1.0" encoding="utf-8"?>
 <p1510:revInfo xmlns:a="http://schemas.openxmlformats.org/drawingml/2006/main" xmlns:r="http://schemas.openxmlformats.org/officeDocument/2006/relationships" xmlns:p1510="http://schemas.microsoft.com/office/powerpoint/2015/10/main">
   <p1510:revLst>
-    <p1510:client id="{85E3E36A-92D7-4D2E-814A-364BE6DE2E74}" v="55" dt="2020-10-13T15:33:16.616"/>
+    <p1510:client id="{85E3E36A-92D7-4D2E-814A-364BE6DE2E74}" v="60" dt="2020-10-15T13:52:53.978"/>
   </p1510:revLst>
 </p1510:revInfo>
 </file>
@@ -244,7 +252,7 @@
   <pc:docChgLst>
     <pc:chgData name="Andras Garzo" userId="6941d427-6f90-49b9-905d-70883a33c961" providerId="ADAL" clId="{85E3E36A-92D7-4D2E-814A-364BE6DE2E74}"/>
     <pc:docChg chg="undo custSel mod addSld delSld modSld sldOrd addSection modSection modShowInfo">
-      <pc:chgData name="Andras Garzo" userId="6941d427-6f90-49b9-905d-70883a33c961" providerId="ADAL" clId="{85E3E36A-92D7-4D2E-814A-364BE6DE2E74}" dt="2020-10-13T15:33:16.615" v="6551"/>
+      <pc:chgData name="Andras Garzo" userId="6941d427-6f90-49b9-905d-70883a33c961" providerId="ADAL" clId="{85E3E36A-92D7-4D2E-814A-364BE6DE2E74}" dt="2020-10-15T15:13:59.933" v="9313" actId="2744"/>
       <pc:docMkLst>
         <pc:docMk/>
       </pc:docMkLst>
@@ -2097,7 +2105,7 @@
         </pc:sldMkLst>
       </pc:sldChg>
       <pc:sldChg chg="modSp new mod">
-        <pc:chgData name="Andras Garzo" userId="6941d427-6f90-49b9-905d-70883a33c961" providerId="ADAL" clId="{85E3E36A-92D7-4D2E-814A-364BE6DE2E74}" dt="2020-10-11T21:53:38.180" v="6548" actId="20577"/>
+        <pc:chgData name="Andras Garzo" userId="6941d427-6f90-49b9-905d-70883a33c961" providerId="ADAL" clId="{85E3E36A-92D7-4D2E-814A-364BE6DE2E74}" dt="2020-10-15T13:39:16.764" v="6594" actId="20577"/>
         <pc:sldMkLst>
           <pc:docMk/>
           <pc:sldMk cId="1702596655" sldId="309"/>
@@ -2111,13 +2119,257 @@
           </ac:spMkLst>
         </pc:spChg>
         <pc:spChg chg="mod">
-          <ac:chgData name="Andras Garzo" userId="6941d427-6f90-49b9-905d-70883a33c961" providerId="ADAL" clId="{85E3E36A-92D7-4D2E-814A-364BE6DE2E74}" dt="2020-10-11T21:53:38.180" v="6548" actId="20577"/>
+          <ac:chgData name="Andras Garzo" userId="6941d427-6f90-49b9-905d-70883a33c961" providerId="ADAL" clId="{85E3E36A-92D7-4D2E-814A-364BE6DE2E74}" dt="2020-10-15T13:39:16.764" v="6594" actId="20577"/>
           <ac:spMkLst>
             <pc:docMk/>
             <pc:sldMk cId="1702596655" sldId="309"/>
             <ac:spMk id="3" creationId="{670C4728-B9A8-4FCE-8881-7781780F9034}"/>
           </ac:spMkLst>
         </pc:spChg>
+      </pc:sldChg>
+      <pc:sldChg chg="addSp delSp modSp new mod">
+        <pc:chgData name="Andras Garzo" userId="6941d427-6f90-49b9-905d-70883a33c961" providerId="ADAL" clId="{85E3E36A-92D7-4D2E-814A-364BE6DE2E74}" dt="2020-10-15T13:41:17.167" v="6996" actId="20577"/>
+        <pc:sldMkLst>
+          <pc:docMk/>
+          <pc:sldMk cId="3425064665" sldId="310"/>
+        </pc:sldMkLst>
+        <pc:spChg chg="mod">
+          <ac:chgData name="Andras Garzo" userId="6941d427-6f90-49b9-905d-70883a33c961" providerId="ADAL" clId="{85E3E36A-92D7-4D2E-814A-364BE6DE2E74}" dt="2020-10-15T13:39:29.796" v="6622" actId="20577"/>
+          <ac:spMkLst>
+            <pc:docMk/>
+            <pc:sldMk cId="3425064665" sldId="310"/>
+            <ac:spMk id="2" creationId="{BA5A81CB-48E8-47DC-9F7D-54CEA8F431DD}"/>
+          </ac:spMkLst>
+        </pc:spChg>
+        <pc:spChg chg="mod">
+          <ac:chgData name="Andras Garzo" userId="6941d427-6f90-49b9-905d-70883a33c961" providerId="ADAL" clId="{85E3E36A-92D7-4D2E-814A-364BE6DE2E74}" dt="2020-10-15T13:41:17.167" v="6996" actId="20577"/>
+          <ac:spMkLst>
+            <pc:docMk/>
+            <pc:sldMk cId="3425064665" sldId="310"/>
+            <ac:spMk id="3" creationId="{6A66AC8A-86B1-48B8-B9FB-DAAD6E45B42A}"/>
+          </ac:spMkLst>
+        </pc:spChg>
+        <pc:spChg chg="add del">
+          <ac:chgData name="Andras Garzo" userId="6941d427-6f90-49b9-905d-70883a33c961" providerId="ADAL" clId="{85E3E36A-92D7-4D2E-814A-364BE6DE2E74}" dt="2020-10-15T13:40:29.099" v="6807"/>
+          <ac:spMkLst>
+            <pc:docMk/>
+            <pc:sldMk cId="3425064665" sldId="310"/>
+            <ac:spMk id="4" creationId="{9DC03758-2A6F-4B3D-BC5C-6E3036C8F353}"/>
+          </ac:spMkLst>
+        </pc:spChg>
+      </pc:sldChg>
+      <pc:sldChg chg="modSp add mod">
+        <pc:chgData name="Andras Garzo" userId="6941d427-6f90-49b9-905d-70883a33c961" providerId="ADAL" clId="{85E3E36A-92D7-4D2E-814A-364BE6DE2E74}" dt="2020-10-15T14:25:18.420" v="9311" actId="20577"/>
+        <pc:sldMkLst>
+          <pc:docMk/>
+          <pc:sldMk cId="3389251076" sldId="311"/>
+        </pc:sldMkLst>
+        <pc:spChg chg="mod">
+          <ac:chgData name="Andras Garzo" userId="6941d427-6f90-49b9-905d-70883a33c961" providerId="ADAL" clId="{85E3E36A-92D7-4D2E-814A-364BE6DE2E74}" dt="2020-10-15T14:25:18.420" v="9311" actId="20577"/>
+          <ac:spMkLst>
+            <pc:docMk/>
+            <pc:sldMk cId="3389251076" sldId="311"/>
+            <ac:spMk id="2" creationId="{C52B9D2B-D318-40A0-AF5C-527EDB15E078}"/>
+          </ac:spMkLst>
+        </pc:spChg>
+        <pc:spChg chg="mod">
+          <ac:chgData name="Andras Garzo" userId="6941d427-6f90-49b9-905d-70883a33c961" providerId="ADAL" clId="{85E3E36A-92D7-4D2E-814A-364BE6DE2E74}" dt="2020-10-15T14:25:00.261" v="9310" actId="1076"/>
+          <ac:spMkLst>
+            <pc:docMk/>
+            <pc:sldMk cId="3389251076" sldId="311"/>
+            <ac:spMk id="3" creationId="{A70B60B4-C52F-44A1-9751-C686C5B87697}"/>
+          </ac:spMkLst>
+        </pc:spChg>
+      </pc:sldChg>
+      <pc:sldChg chg="modSp new mod">
+        <pc:chgData name="Andras Garzo" userId="6941d427-6f90-49b9-905d-70883a33c961" providerId="ADAL" clId="{85E3E36A-92D7-4D2E-814A-364BE6DE2E74}" dt="2020-10-15T13:51:33.094" v="8505" actId="20577"/>
+        <pc:sldMkLst>
+          <pc:docMk/>
+          <pc:sldMk cId="1224731036" sldId="312"/>
+        </pc:sldMkLst>
+        <pc:spChg chg="mod">
+          <ac:chgData name="Andras Garzo" userId="6941d427-6f90-49b9-905d-70883a33c961" providerId="ADAL" clId="{85E3E36A-92D7-4D2E-814A-364BE6DE2E74}" dt="2020-10-15T13:41:59.766" v="7100" actId="20577"/>
+          <ac:spMkLst>
+            <pc:docMk/>
+            <pc:sldMk cId="1224731036" sldId="312"/>
+            <ac:spMk id="2" creationId="{9ECC3563-31E3-4E9E-BDF5-C782FFF4108C}"/>
+          </ac:spMkLst>
+        </pc:spChg>
+        <pc:spChg chg="mod">
+          <ac:chgData name="Andras Garzo" userId="6941d427-6f90-49b9-905d-70883a33c961" providerId="ADAL" clId="{85E3E36A-92D7-4D2E-814A-364BE6DE2E74}" dt="2020-10-15T13:51:33.094" v="8505" actId="20577"/>
+          <ac:spMkLst>
+            <pc:docMk/>
+            <pc:sldMk cId="1224731036" sldId="312"/>
+            <ac:spMk id="3" creationId="{E6A12299-448E-43A1-9D4C-06217854F8A7}"/>
+          </ac:spMkLst>
+        </pc:spChg>
+      </pc:sldChg>
+      <pc:sldChg chg="addSp delSp modSp new mod">
+        <pc:chgData name="Andras Garzo" userId="6941d427-6f90-49b9-905d-70883a33c961" providerId="ADAL" clId="{85E3E36A-92D7-4D2E-814A-364BE6DE2E74}" dt="2020-10-15T13:54:43.739" v="8724" actId="13822"/>
+        <pc:sldMkLst>
+          <pc:docMk/>
+          <pc:sldMk cId="108610386" sldId="313"/>
+        </pc:sldMkLst>
+        <pc:spChg chg="mod">
+          <ac:chgData name="Andras Garzo" userId="6941d427-6f90-49b9-905d-70883a33c961" providerId="ADAL" clId="{85E3E36A-92D7-4D2E-814A-364BE6DE2E74}" dt="2020-10-15T13:49:08.350" v="8299" actId="20577"/>
+          <ac:spMkLst>
+            <pc:docMk/>
+            <pc:sldMk cId="108610386" sldId="313"/>
+            <ac:spMk id="2" creationId="{6754A017-E74C-4F3C-B126-3119A6669C74}"/>
+          </ac:spMkLst>
+        </pc:spChg>
+        <pc:spChg chg="del">
+          <ac:chgData name="Andras Garzo" userId="6941d427-6f90-49b9-905d-70883a33c961" providerId="ADAL" clId="{85E3E36A-92D7-4D2E-814A-364BE6DE2E74}" dt="2020-10-15T13:49:24.444" v="8300" actId="478"/>
+          <ac:spMkLst>
+            <pc:docMk/>
+            <pc:sldMk cId="108610386" sldId="313"/>
+            <ac:spMk id="3" creationId="{DA3A4F57-9006-4864-B6EB-9928CF0DA404}"/>
+          </ac:spMkLst>
+        </pc:spChg>
+        <pc:spChg chg="add mod">
+          <ac:chgData name="Andras Garzo" userId="6941d427-6f90-49b9-905d-70883a33c961" providerId="ADAL" clId="{85E3E36A-92D7-4D2E-814A-364BE6DE2E74}" dt="2020-10-15T13:50:13.255" v="8389" actId="1076"/>
+          <ac:spMkLst>
+            <pc:docMk/>
+            <pc:sldMk cId="108610386" sldId="313"/>
+            <ac:spMk id="4" creationId="{045280AB-F414-4093-A9F1-C3CAF27DBC46}"/>
+          </ac:spMkLst>
+        </pc:spChg>
+        <pc:spChg chg="add mod">
+          <ac:chgData name="Andras Garzo" userId="6941d427-6f90-49b9-905d-70883a33c961" providerId="ADAL" clId="{85E3E36A-92D7-4D2E-814A-364BE6DE2E74}" dt="2020-10-15T13:50:13.255" v="8389" actId="1076"/>
+          <ac:spMkLst>
+            <pc:docMk/>
+            <pc:sldMk cId="108610386" sldId="313"/>
+            <ac:spMk id="5" creationId="{02D53B5C-95B0-4463-BA6E-B8C9B25B4FD8}"/>
+          </ac:spMkLst>
+        </pc:spChg>
+        <pc:spChg chg="add mod">
+          <ac:chgData name="Andras Garzo" userId="6941d427-6f90-49b9-905d-70883a33c961" providerId="ADAL" clId="{85E3E36A-92D7-4D2E-814A-364BE6DE2E74}" dt="2020-10-15T13:51:02.642" v="8478" actId="1076"/>
+          <ac:spMkLst>
+            <pc:docMk/>
+            <pc:sldMk cId="108610386" sldId="313"/>
+            <ac:spMk id="6" creationId="{E73861AA-C3B7-45EC-B6C0-F53BA0D80D29}"/>
+          </ac:spMkLst>
+        </pc:spChg>
+        <pc:spChg chg="add mod">
+          <ac:chgData name="Andras Garzo" userId="6941d427-6f90-49b9-905d-70883a33c961" providerId="ADAL" clId="{85E3E36A-92D7-4D2E-814A-364BE6DE2E74}" dt="2020-10-15T13:51:54.923" v="8540" actId="1076"/>
+          <ac:spMkLst>
+            <pc:docMk/>
+            <pc:sldMk cId="108610386" sldId="313"/>
+            <ac:spMk id="7" creationId="{B2612F36-F22C-4996-979F-B9DFD1A0E547}"/>
+          </ac:spMkLst>
+        </pc:spChg>
+        <pc:spChg chg="add mod">
+          <ac:chgData name="Andras Garzo" userId="6941d427-6f90-49b9-905d-70883a33c961" providerId="ADAL" clId="{85E3E36A-92D7-4D2E-814A-364BE6DE2E74}" dt="2020-10-15T13:52:10.198" v="8562" actId="20577"/>
+          <ac:spMkLst>
+            <pc:docMk/>
+            <pc:sldMk cId="108610386" sldId="313"/>
+            <ac:spMk id="8" creationId="{CE75B074-8FB1-47D6-AE24-3C938BF817D4}"/>
+          </ac:spMkLst>
+        </pc:spChg>
+        <pc:spChg chg="add mod">
+          <ac:chgData name="Andras Garzo" userId="6941d427-6f90-49b9-905d-70883a33c961" providerId="ADAL" clId="{85E3E36A-92D7-4D2E-814A-364BE6DE2E74}" dt="2020-10-15T13:52:29.443" v="8583" actId="1076"/>
+          <ac:spMkLst>
+            <pc:docMk/>
+            <pc:sldMk cId="108610386" sldId="313"/>
+            <ac:spMk id="11" creationId="{97FA998C-1874-44FE-B5C0-1693CB43C831}"/>
+          </ac:spMkLst>
+        </pc:spChg>
+        <pc:spChg chg="add mod">
+          <ac:chgData name="Andras Garzo" userId="6941d427-6f90-49b9-905d-70883a33c961" providerId="ADAL" clId="{85E3E36A-92D7-4D2E-814A-364BE6DE2E74}" dt="2020-10-15T13:52:59.271" v="8594" actId="1076"/>
+          <ac:spMkLst>
+            <pc:docMk/>
+            <pc:sldMk cId="108610386" sldId="313"/>
+            <ac:spMk id="14" creationId="{3D1694B0-4F9E-4B79-B580-C31F8C954E91}"/>
+          </ac:spMkLst>
+        </pc:spChg>
+        <pc:spChg chg="add mod">
+          <ac:chgData name="Andras Garzo" userId="6941d427-6f90-49b9-905d-70883a33c961" providerId="ADAL" clId="{85E3E36A-92D7-4D2E-814A-364BE6DE2E74}" dt="2020-10-15T13:53:15.773" v="8618" actId="20577"/>
+          <ac:spMkLst>
+            <pc:docMk/>
+            <pc:sldMk cId="108610386" sldId="313"/>
+            <ac:spMk id="16" creationId="{E3D6E8E9-04D4-403F-B410-D559DE6EFED1}"/>
+          </ac:spMkLst>
+        </pc:spChg>
+        <pc:spChg chg="add mod">
+          <ac:chgData name="Andras Garzo" userId="6941d427-6f90-49b9-905d-70883a33c961" providerId="ADAL" clId="{85E3E36A-92D7-4D2E-814A-364BE6DE2E74}" dt="2020-10-15T13:53:43.789" v="8682" actId="20577"/>
+          <ac:spMkLst>
+            <pc:docMk/>
+            <pc:sldMk cId="108610386" sldId="313"/>
+            <ac:spMk id="20" creationId="{D3FD8BFF-8D7F-4FCB-9180-017D42A4C3F9}"/>
+          </ac:spMkLst>
+        </pc:spChg>
+        <pc:spChg chg="add del">
+          <ac:chgData name="Andras Garzo" userId="6941d427-6f90-49b9-905d-70883a33c961" providerId="ADAL" clId="{85E3E36A-92D7-4D2E-814A-364BE6DE2E74}" dt="2020-10-15T13:54:05.443" v="8686" actId="478"/>
+          <ac:spMkLst>
+            <pc:docMk/>
+            <pc:sldMk cId="108610386" sldId="313"/>
+            <ac:spMk id="24" creationId="{9E829D2F-9D38-4F14-AE3E-7582B422BC28}"/>
+          </ac:spMkLst>
+        </pc:spChg>
+        <pc:spChg chg="add mod">
+          <ac:chgData name="Andras Garzo" userId="6941d427-6f90-49b9-905d-70883a33c961" providerId="ADAL" clId="{85E3E36A-92D7-4D2E-814A-364BE6DE2E74}" dt="2020-10-15T13:54:11.611" v="8691" actId="20577"/>
+          <ac:spMkLst>
+            <pc:docMk/>
+            <pc:sldMk cId="108610386" sldId="313"/>
+            <ac:spMk id="26" creationId="{5C1629D6-C17A-4926-8A2D-6FCD71BC704B}"/>
+          </ac:spMkLst>
+        </pc:spChg>
+        <pc:spChg chg="add mod">
+          <ac:chgData name="Andras Garzo" userId="6941d427-6f90-49b9-905d-70883a33c961" providerId="ADAL" clId="{85E3E36A-92D7-4D2E-814A-364BE6DE2E74}" dt="2020-10-15T13:54:37.215" v="8722" actId="14100"/>
+          <ac:spMkLst>
+            <pc:docMk/>
+            <pc:sldMk cId="108610386" sldId="313"/>
+            <ac:spMk id="29" creationId="{A6FC7AFA-4C15-41EA-9B5A-8C37B122DF9C}"/>
+          </ac:spMkLst>
+        </pc:spChg>
+        <pc:cxnChg chg="add mod">
+          <ac:chgData name="Andras Garzo" userId="6941d427-6f90-49b9-905d-70883a33c961" providerId="ADAL" clId="{85E3E36A-92D7-4D2E-814A-364BE6DE2E74}" dt="2020-10-15T13:52:18.899" v="8564" actId="13822"/>
+          <ac:cxnSpMkLst>
+            <pc:docMk/>
+            <pc:sldMk cId="108610386" sldId="313"/>
+            <ac:cxnSpMk id="10" creationId="{E3CD6468-4183-41AA-A578-A438CFADE55F}"/>
+          </ac:cxnSpMkLst>
+        </pc:cxnChg>
+        <pc:cxnChg chg="add mod">
+          <ac:chgData name="Andras Garzo" userId="6941d427-6f90-49b9-905d-70883a33c961" providerId="ADAL" clId="{85E3E36A-92D7-4D2E-814A-364BE6DE2E74}" dt="2020-10-15T13:52:46.056" v="8585" actId="13822"/>
+          <ac:cxnSpMkLst>
+            <pc:docMk/>
+            <pc:sldMk cId="108610386" sldId="313"/>
+            <ac:cxnSpMk id="13" creationId="{C24CF910-6424-4E38-BF04-597534D0EAC1}"/>
+          </ac:cxnSpMkLst>
+        </pc:cxnChg>
+        <pc:cxnChg chg="add mod">
+          <ac:chgData name="Andras Garzo" userId="6941d427-6f90-49b9-905d-70883a33c961" providerId="ADAL" clId="{85E3E36A-92D7-4D2E-814A-364BE6DE2E74}" dt="2020-10-15T13:53:23.069" v="8620" actId="13822"/>
+          <ac:cxnSpMkLst>
+            <pc:docMk/>
+            <pc:sldMk cId="108610386" sldId="313"/>
+            <ac:cxnSpMk id="18" creationId="{254F7298-BA10-4839-9E3B-6469A2AC68B0}"/>
+          </ac:cxnSpMkLst>
+        </pc:cxnChg>
+        <pc:cxnChg chg="add mod">
+          <ac:chgData name="Andras Garzo" userId="6941d427-6f90-49b9-905d-70883a33c961" providerId="ADAL" clId="{85E3E36A-92D7-4D2E-814A-364BE6DE2E74}" dt="2020-10-15T13:53:56.678" v="8684" actId="13822"/>
+          <ac:cxnSpMkLst>
+            <pc:docMk/>
+            <pc:sldMk cId="108610386" sldId="313"/>
+            <ac:cxnSpMk id="22" creationId="{1C852BC6-0492-4CA6-A2E0-061D46C97592}"/>
+          </ac:cxnSpMkLst>
+        </pc:cxnChg>
+        <pc:cxnChg chg="add mod">
+          <ac:chgData name="Andras Garzo" userId="6941d427-6f90-49b9-905d-70883a33c961" providerId="ADAL" clId="{85E3E36A-92D7-4D2E-814A-364BE6DE2E74}" dt="2020-10-15T13:54:23.800" v="8693" actId="13822"/>
+          <ac:cxnSpMkLst>
+            <pc:docMk/>
+            <pc:sldMk cId="108610386" sldId="313"/>
+            <ac:cxnSpMk id="28" creationId="{0B29A5E7-2387-48B2-8ED3-E5C6CC55DE52}"/>
+          </ac:cxnSpMkLst>
+        </pc:cxnChg>
+        <pc:cxnChg chg="add mod">
+          <ac:chgData name="Andras Garzo" userId="6941d427-6f90-49b9-905d-70883a33c961" providerId="ADAL" clId="{85E3E36A-92D7-4D2E-814A-364BE6DE2E74}" dt="2020-10-15T13:54:43.739" v="8724" actId="13822"/>
+          <ac:cxnSpMkLst>
+            <pc:docMk/>
+            <pc:sldMk cId="108610386" sldId="313"/>
+            <ac:cxnSpMk id="31" creationId="{8C1C0514-FC20-4ACB-A220-09371C10C9ED}"/>
+          </ac:cxnSpMkLst>
+        </pc:cxnChg>
       </pc:sldChg>
     </pc:docChg>
   </pc:docChgLst>
@@ -3328,7 +3580,7 @@
     </inkml:brush>
   </inkml:definitions>
   <inkml:trace contextRef="#ctx0" brushRef="#br0">18508 12286 1486 0,'0'0'1391'16,"0"0"-867"-16,0 0-210 0,0 0-172 15,0 0-36-15,0 0-30 0,0 0-70 16,0 0-6-16,0 0-32 0,0 0-8 16,6 0-4-16,-6 4 6 0,0 0-3 15,0 5 10-15,0 8 31 0,-3 16 56 16,-6 18-5-16,3 16-17 0,-4 2 4 16,1-8-1-16,3-16-14 0,3-13-10 15,3-2-11-15,0 13 0 0,0 17 1 16,0 23 32-16,0 12 8 0,0 5 4 15,-3 8 6-15,-7-7 12 0,4 11-40 16,-3-4-25-16,-1-1 0 0,-2-1 2 16,6-8-1-16,-3-3 18 15,5-2-8-15,4-2-11 0,-3-4-46 16,3 0-26-16,0-5-3 0,0-12 26 16,0-15-8-16,0-15 22 0,3-13 16 15,-3-10 16-15,4 3-16 0,2-1 18 16,3-2-15-16,0-6 14 0,-2-2 2 15,2-3 0-15,-3-2 11 0,3-4-9 16,1 0-2-16,2 0 1 0,-3-6-1 16,-2-5 3-16,2-4-3 0,0-11-19 15,4-17-62-15,-1-22-33 0,-3-18-25 16,-6-10-9-16,0 0 39 0,1 8 20 16,-1 9 86-16,-3 2 3 0,0-4 64 15,-3-4 15-15,-1 1 10 0,1-6-16 16,0-2 3-16,3-2-10 0,-3-5-25 15,0 1-22-15,-3-2-19 0,0 1-69 16,-7 5-39-16,7 2-12 0,-3 5 15 16,3 5 32-16,-4 3 41 0,1 5 32 15,0 4 3-15,-1 14 10 0,4 10-13 16,3 11 16-16,0 5 3 16,-3-3 29-16,0-1 22 0,-1-3 25 15,-2 4-52-15,3 6-43 0,3 4-31 16,-3 3-7-16,2 6 36 0,4 4-21 15,-3 6 11-15,0 1 10 0,-3 6-18 16,0 11-46-16,-7 18-36 0,-2 31 28 16,-1 38 74-16,-8 21 23 0,8 3 63 15,1-6 32-15,-1-12 8 0,7-6-12 16,6-4-114-16,0-4-9 16,3 2-187-16,3 1-184 0,0-4-299 15,0-19-396-15,-3-5-253 0</inkml:trace>
-  <inkml:trace contextRef="#ctx0" brushRef="#br0" timeOffset="27268.13">14778 7391 23 0,'0'0'1042'0,"0"0"-1016"16,0 0-6-16,0 0 48 0,0 0 79 15,0 0-37-15,0 0 4 16,0 0 205-16,0 0 44 0,6-15-191 16,-15 32-111-16,-1 1-55 0,1 5-6 15,0 4-32-15,6 4-39 0,0 3-75 16,3 7-48-16,0 0 15 0,-3 2 72 16,3 9 107-16,-4 9 0 0,-2 10 117 15,3 5 84-15,0-4 36 0,0 0 12 16,3-2 5-16,0 1-29 0,-3 7-68 15,0 7-45-15,0 5-45 0,0 11-66 16,-4 8 18-16,4 3-19 0,0 7-2 16,-3 0-49-16,0-1-10 0,3 3-25 15,0 0-20-15,-4 1-54 0,4-3-14 16,-3-1-26-16,-3-8 26 0,3-8-14 16,-4-4 0-16,1-7 52 0,0-13 84 15,-7-6 52-15,7-18 17 0,0-14 19 16,5-15 12-16,1-5-28 0,0-2-20 15,3-4-10-15,-3-5-35 16,3-9-56-16,0-9-36 0,3-8 137 16,0-10 39-16,0-16 20 0,1-19-1 15,-4-19 11-15,0-10 15 0,0-2 23 16,-4-3 33-16,1 5-46 0,3-13-78 16,-3-8-16-16,3-8-91 0,3-6-58 15,0-2-52-15,4 0-7 0,-1-2 39 16,3 1 68-16,0 2 16 0,-2 1 30 15,-4 5 55-15,0 6 29 0,0 6 46 16,-3 9 55-16,0 5 59 0,0 6 38 16,0 7-42-16,0 3-84 15,0 6-101-15,0 9-33 0,3 4-87 0,0 13-36 16,3 11-32-16,-3 8-1 16,4 5-9-16,-4-3-30 0,6-1 228 15,0 1 0-15,-2 6 163 0,-1 9 3 16,0 7-166-16,-3 4-52 0,0 4-1051 15</inkml:trace>
+  <inkml:trace contextRef="#ctx0" brushRef="#br0" timeOffset="27268.12">14778 7391 23 0,'0'0'1042'0,"0"0"-1016"16,0 0-6-16,0 0 48 0,0 0 79 15,0 0-37-15,0 0 4 16,0 0 205-16,0 0 44 0,6-15-191 16,-15 32-111-16,-1 1-55 0,1 5-6 15,0 4-32-15,6 4-39 0,0 3-75 16,3 7-48-16,0 0 15 0,-3 2 72 16,3 9 107-16,-4 9 0 0,-2 10 117 15,3 5 84-15,0-4 36 0,0 0 12 16,3-2 5-16,0 1-29 0,-3 7-68 15,0 7-45-15,0 5-45 0,0 11-66 16,-4 8 18-16,4 3-19 0,0 7-2 16,-3 0-49-16,0-1-10 0,3 3-25 15,0 0-20-15,-4 1-54 0,4-3-14 16,-3-1-26-16,-3-8 26 0,3-8-14 16,-4-4 0-16,1-7 52 0,0-13 84 15,-7-6 52-15,7-18 17 0,0-14 19 16,5-15 12-16,1-5-28 0,0-2-20 15,3-4-10-15,-3-5-35 16,3-9-56-16,0-9-36 0,3-8 137 16,0-10 39-16,0-16 20 0,1-19-1 15,-4-19 11-15,0-10 15 0,0-2 23 16,-4-3 33-16,1 5-46 0,3-13-78 16,-3-8-16-16,3-8-91 0,3-6-58 15,0-2-52-15,4 0-7 0,-1-2 39 16,3 1 68-16,0 2 16 0,-2 1 30 15,-4 5 55-15,0 6 29 0,0 6 46 16,-3 9 55-16,0 5 59 0,0 6 38 16,0 7-42-16,0 3-84 15,0 6-101-15,0 9-33 0,3 4-87 0,0 13-36 16,3 11-32-16,-3 8-1 16,4 5-9-16,-4-3-30 0,6-1 228 15,0 1 0-15,-2 6 163 0,-1 9 3 16,0 7-166-16,-3 4-52 0,0 4-1051 15</inkml:trace>
 </inkml:ink>
 </file>
 
@@ -3391,10 +3643,10 @@
     </inkml:brush>
   </inkml:definitions>
   <inkml:trace contextRef="#ctx0" brushRef="#br0">23835 14975 1396 0,'0'0'1358'0,"0"0"-1171"0,0 0 85 16,0 0 27-16,0 0-106 0,0 0-101 16,0 0-67-16,0 0-25 0,0 0-19 15,0 0-3-15,6 3 22 0,-6-2 57 16,-3 2 78-16,3-3 25 0,-3 1-16 15,-6 1 2-15,2 0-20 0,-8 1-42 16,-7 1-29-16,-3 0-6 0,-12 1-3 16,-9 5-6-16,-19 5-12 0,-22 9-26 15,-12 6-2-15,-1 4-12 16,4 4 0-16,9-5 8 0,-3 3 1 16,4-3 0-16,2 0-8 0,6-1 11 15,1-5 1-15,12-3 14 0,3-1 7 16,12-5 2-16,13-6-11 0,9-3-10 15,13-2 0-15,-4-3 9 0,7 0-10 16,2-3 10-16,7 1 31 0,3-2-40 16,6-2-3-16,22-7-55 0,25-7 30 15,31-14 23-15,12-5 2 0,12-4-102 16,1 0-36-16,-10 0-16 0,6 0-29 16,-2-2-23-16,2 4-46 0,-6 2-86 15,-12 3-128-15,-9 6-13 0,-10 8 159 16,-18 3 145-16,-16 9 32 0,-13 1 42 15,-8 3 88-15,2 0 0 0,-5 0-3 16,-4 1-397-16,-15-3-930 0</inkml:trace>
-  <inkml:trace contextRef="#ctx0" brushRef="#br0" timeOffset="416.49">22824 15037 1835 0,'0'0'1472'16,"0"0"-1472"-16,0 0-64 0,0 0-54 15,0 0 118-15,0 0 51 0,0 0 185 16,0 0-40-16,0 0-139 0,0 0-57 16,-28-13-41-16,0 26 41 15,-12 6 22-15,-3 6 10 0,-16 9-13 16,-10 8-17-16,-5 9-2 0,6 0 0 16,3 2-1-16,3-6 0 0,12-6 1 15,13-7 0-15,9-6 57 0,9-6-4 16,-2 2 4-16,11-3 3 0,4 1 12 15,12-7-5-15,28-5 11 0,28-6 121 16,31-5 86-16,13-13-95 0,2-9-98 16,-15-2-92-16,-15 5-12 0,-19 5-105 15,-16 4-36-15,-12 2-48 0,-6 1-174 16,-6 4-415-16,-10-8-1305 0</inkml:trace>
+  <inkml:trace contextRef="#ctx0" brushRef="#br0" timeOffset="416.47">22824 15037 1835 0,'0'0'1472'16,"0"0"-1472"-16,0 0-64 0,0 0-54 15,0 0 118-15,0 0 51 0,0 0 185 16,0 0-40-16,0 0-139 0,0 0-57 16,-28-13-41-16,0 26 41 15,-12 6 22-15,-3 6 10 0,-16 9-13 16,-10 8-17-16,-5 9-2 0,6 0 0 16,3 2-1-16,3-6 0 0,12-6 1 15,13-7 0-15,9-6 57 0,9-6-4 16,-2 2 4-16,11-3 3 0,4 1 12 15,12-7-5-15,28-5 11 0,28-6 121 16,31-5 86-16,13-13-95 0,2-9-98 16,-15-2-92-16,-15 5-12 0,-19 5-105 15,-16 4-36-15,-12 2-48 0,-6 1-174 16,-6 4-415-16,-10-8-1305 0</inkml:trace>
   <inkml:trace contextRef="#ctx0" brushRef="#br0" timeOffset="3300.55">23187 9817 205 0,'0'0'457'16,"0"0"-261"-16,0 0-76 0,0 0 482 15,0 0-212-15,0 0-150 0,0 0-71 16,0 0-53-16,0 0-13 0,18-20-35 16,-14 14-39-16,-1 2-6 0,3 1 25 15,-3 1 13-15,-3 2-13 0,0 0-9 16,-3 2 15-16,-6 4 72 0,-7 1 11 15,-6 8-95-15,-12 0-30 0,0 7-10 16,-9 0 43-16,-1 3 0 0,-2 0-4 16,-1 3 10-16,1-2-7 0,2 0 7 15,7-1 25-15,0-2 3 0,3-5-3 16,6-2-20-16,6-5-5 16,13-2-14-16,6-6-37 0,3-2-31 15,9-1-86-15,10-1 117 0,15-8 29 16,25-8 37-16,18-12-19 0,10-2-22 15,-6-3-6-15,-4 2 0 0,-15 8 3 16,-15 4-22-16,-10 5 15 0,-15 4-13 16,-4 2 1-16,-2 1 9 0,-4 1-8 15,-2 0-4-15,-10 3-48 0,0 0-90 16,-7-1-178-16,-11 1-357 0,-7 4-449 16,9 0-18-16</inkml:trace>
   <inkml:trace contextRef="#ctx0" brushRef="#br0" timeOffset="3718.55">22874 9712 1254 0,'0'0'488'16,"0"0"-329"-16,0 0 62 0,0 0 18 15,0 0-28-15,0 0-41 0,0 0-67 16,0 0 7-16,0 0 5 15,0 0 0-15,-62 55-115 0,-7 1-19 16,-2 7 19-16,6-10 44 0,15-10 48 16,19-16-6-16,7 2-6 0,-4 8 15 15,-3 1 38-15,3 6 40 0,6-2-10 16,10-5 29-16,9-3-12 0,3-4-28 16,21-1-66-16,7 1-40 0,28-3 13 15,18-2-10-15,4-6-37 0,9-10-12 16,-13-6-259-16,-6-8-172 0,-18-2-791 15,3-9-1564-15</inkml:trace>
-  <inkml:trace contextRef="#ctx0" brushRef="#br0" timeOffset="168700.82">25066 8078 1580 0,'0'0'1330'0,"0"0"-1131"16,0 0-81-16,0 0 111 0,0 0 53 16,0 0-49-16,0 0-60 0,0 0-27 15,-56 3-6-15,37-3-35 0,-5 0-22 16,2 0-44-16,-9 0-39 0,-6-3-24 16,0 0-38-16,-13 0-6 0,3 1 37 15,1 0 16-15,-4 2 13 0,7 0-17 16,-7 6 19-16,1 1 0 0,2 4 37 15,1 2-6-15,2 4 9 0,13 0-12 16,0-1-28-16,10 1-11 0,2-2-14 16,13-2-31-16,3 2-49 0,6 2 12 15,6 1 37-15,16 4 15 16,0 1 7-16,9 2 34 0,6 3 0 16,0 2 44-16,4 0-32 0,-4 1 16 15,7-1 47-15,-10 0 15 0,-3-1 12 16,-6-3 6-16,-6-1 15 0,-7-2 16 15,-3-2 13-15,-8 1-5 0,-4-2-10 16,-7 1 3-16,-8 5 8 0,-10-4-20 16,3 3-41-16,-9 0-23 0,-3-6-7 15,-3-1-15-15,-3-9-21 0,-4 0-21 16,-2-8-16-16,2-1-68 0,7-2-52 16,0-9-61-16,6 0-88 0,3-4-161 15,6-6-313-15,7 3-559 0,9 1-93 16</inkml:trace>
+  <inkml:trace contextRef="#ctx0" brushRef="#br0" timeOffset="168700.81">25066 8078 1580 0,'0'0'1330'0,"0"0"-1131"16,0 0-81-16,0 0 111 0,0 0 53 16,0 0-49-16,0 0-60 0,0 0-27 15,-56 3-6-15,37-3-35 0,-5 0-22 16,2 0-44-16,-9 0-39 0,-6-3-24 16,0 0-38-16,-13 0-6 0,3 1 37 15,1 0 16-15,-4 2 13 0,7 0-17 16,-7 6 19-16,1 1 0 0,2 4 37 15,1 2-6-15,2 4 9 0,13 0-12 16,0-1-28-16,10 1-11 0,2-2-14 16,13-2-31-16,3 2-49 0,6 2 12 15,6 1 37-15,16 4 15 16,0 1 7-16,9 2 34 0,6 3 0 16,0 2 44-16,4 0-32 0,-4 1 16 15,7-1 47-15,-10 0 15 0,-3-1 12 16,-6-3 6-16,-6-1 15 0,-7-2 16 15,-3-2 13-15,-8 1-5 0,-4-2-10 16,-7 1 3-16,-8 5 8 0,-10-4-20 16,3 3-41-16,-9 0-23 0,-3-6-7 15,-3-1-15-15,-3-9-21 0,-4 0-21 16,-2-8-16-16,2-1-68 0,7-2-52 16,0-9-61-16,6 0-88 0,3-4-161 15,6-6-313-15,7 3-559 0,9 1-93 16</inkml:trace>
   <inkml:trace contextRef="#ctx0" brushRef="#br0" timeOffset="169110.43">25314 8126 2375 0,'0'0'1507'0,"0"0"-1347"15,0 0-160-15,0 0-35 0,0 0-9 16,0 0-31-16,0 0-60 0,0 0 40 16,0 0 38-16,59 13 28 0,-28-13-4 15,12 0 33-15,-2 0 2 0,8-2 26 16,7-3 13-16,-13 1 26 0,10 0 28 16,-3-2 5-16,-10 1-21 0,3 1-26 15,-5-2 5-15,-4 1-24 0,-9-3-6 16,-4 3-26-16,-5-1-2 0,-7-1-148 15,-6 0-138-15,-3 1-233 0,-6 0-579 16,0 1-394-16</inkml:trace>
   <inkml:trace contextRef="#ctx0" brushRef="#br0" timeOffset="169418.18">25534 8103 1092 0,'0'0'1808'0,"-65"28"-1510"0,37-17-186 16,-3 4-33-16,0 9-18 0,-3-2-4 15,0 7 9-15,9 1-18 0,-3 3 18 16,3 2-2-16,1 4-8 0,2 1-2 16,-3 1-4-16,10 2-12 0,-1 0-10 15,1-3 13-15,11-4 29 0,4-1-20 16,0-7-50-16,13-2-7 0,9-2-14 16,2-4 21-16,10-3 11 0,13 0 33 15,12-4-19-15,-6-6-25 0,-1-4-41 16,-8-3-34-16,-7-5 18 0,3-3 22 15,7-6 7-15,-7 1-19 0,-6-6-51 16,3 1-66-16,-9-1-64 0,-3-1-59 16,-6 1-24-16,-4 3 1 0,-6-3-26 15,-2 0-106-15,-7 1-170 0,0 2-209 16</inkml:trace>
   <inkml:trace contextRef="#ctx0" brushRef="#br0" timeOffset="169595.19">25289 8436 303 0,'0'0'2472'0,"0"0"-2087"16,0 0-254-16,0 0-23 0,0 0-32 15,0 0 16-15,0 0 170 0,53 6 34 16,3-6-50-16,12-1-85 0,6-4-78 16,-15 1-83-16,-12 0-46 0,-19 0-106 15,0-3 19-15,6-2-4 0,0-4-111 16,9-4-179-16,1 0-206 0,-13-1-481 15,9-10-407-15</inkml:trace>
@@ -3424,9 +3676,9 @@
   <inkml:trace contextRef="#ctx0" brushRef="#br0" timeOffset="182052.72">28517 9268 2603 0,'0'0'814'0,"0"0"-541"0,0 0-65 16,0 0-58-16,0 0-43 15,0 0-26-15,0 0-81 0,0 0-15 16,0 0-48-16,0 0 29 0,3 0 3 16,-9 2-7-16,0 4-35 0,-7 5-11 15,1 5 84-15,-4 5 34 0,4-1 66 16,3 4 5-16,-4-2-12 0,10-3-40 16,3-2-53-16,0-4-25 0,9-4 25 15,4-4 0-15,5-2 53 0,7-3 46 16,0-3 44-16,0-7-2 0,6-3-58 15,0-6-48-15,0-2-35 0,-3-1-89 16,0-7-65-16,0 2-41 0,3-4 5 16,-3 0 30-16,-1 3 19 0,1 0-1 15,-3 2-70-15,0 2-97 0,-6 6-62 16,-1 2-188-16,-5 6-426 0,-7 6-320 16</inkml:trace>
   <inkml:trace contextRef="#ctx0" brushRef="#br0" timeOffset="182268.87">28477 9516 3522 0,'0'0'692'0,"0"0"-437"16,0 0-17-16,-25 57-91 0,19-28-61 15,-7 2-1-15,-2 5-29 0,-1-2-56 16,4-1-13-16,-1-3-97 0,-2-1-108 16,3-5-146-16,-1 0-297 0,1-9-749 15,-1 2-731-15</inkml:trace>
   <inkml:trace contextRef="#ctx0" brushRef="#br0" timeOffset="182604.37">29345 10059 3335 0,'0'0'1960'0,"0"0"-1723"0,0 0-237 16,0 0-147-16,0 0-115 0,0 0-145 15,0 0-182-15,0 0-644 0,59-6-1062 0</inkml:trace>
-  <inkml:trace contextRef="#ctx0" brushRef="#br0" timeOffset="182749.38">29742 9899 1861 0,'0'0'1191'0,"0"0"-1191"0,0 0-508 15,56-6 28-15,-35 3-244 0,-2 1-39 16,-1 2 206-16</inkml:trace>
-  <inkml:trace contextRef="#ctx0" brushRef="#br0" timeOffset="182799.38">29903 9895 33 0,'0'0'743'15,"0"0"-75"-15,0 0-151 0,0 0-93 16,0 0-33-16,0 0-93 0,0 0-298 16,0 0-592-16,0 0-1735 0</inkml:trace>
-  <inkml:trace contextRef="#ctx0" brushRef="#br0" timeOffset="182934.38">30303 9917 1205 0,'0'0'2850'15,"0"0"-2554"-15,0 0-296 0,62 12-34 16,-40-11-69-16,-1 1-126 0,4-1-85 16,0 2-237-16,-10-1-499 0,13 3-560 0</inkml:trace>
+  <inkml:trace contextRef="#ctx0" brushRef="#br0" timeOffset="182749.37">29742 9899 1861 0,'0'0'1191'0,"0"0"-1191"0,0 0-508 15,56-6 28-15,-35 3-244 0,-2 1-39 16,-1 2 206-16</inkml:trace>
+  <inkml:trace contextRef="#ctx0" brushRef="#br0" timeOffset="182799.37">29903 9895 33 0,'0'0'743'15,"0"0"-75"-15,0 0-151 0,0 0-93 16,0 0-33-16,0 0-93 0,0 0-298 16,0 0-592-16,0 0-1735 0</inkml:trace>
+  <inkml:trace contextRef="#ctx0" brushRef="#br0" timeOffset="182934.37">30303 9917 1205 0,'0'0'2850'15,"0"0"-2554"-15,0 0-296 0,62 12-34 16,-40-11-69-16,-1 1-126 0,4-1-85 16,0 2-237-16,-10-1-499 0,13 3-560 0</inkml:trace>
 </inkml:ink>
 </file>
 
@@ -3457,14 +3709,14 @@
     </inkml:brush>
   </inkml:definitions>
   <inkml:trace contextRef="#ctx0" brushRef="#br0">27503 16625 821 0,'0'0'1570'0,"0"0"-1225"16,0 0-171-16,0 0-24 16,0 0-12-16,0 0 25 0,0 0 18 15,0 0-7-15,0 0-39 0,3 0 0 16,-6 1 23-16,3-1 10 0,-6 2-28 16,3 0-51-16,-7 2-30 0,-5 1-7 15,-4 3-6-15,-2-1-12 0,-7 3-19 16,-13 5-15-16,-14 1-2 0,-20 6 1 15,-12 2 1-15,-9 4 0 0,0-4 3 16,6 3 12-16,-6 0 3 0,-3 3 1 16,-3 2-1-16,-1 2-18 0,-2-2-11 15,9 2-1-15,3-5-4 0,9 1 1 16,10-5-16-16,5-5 4 0,17-2-1 16,14-7 0-16,14-2 27 0,8-3 1 15,-3 0 22-15,7-3 5 0,3-1-5 16,9 2-22-16,6-4-46 0,16-4 24 15,12-4 22-15,28-10 99 0,25-7-29 16,12-6-36-16,6-2-34 16,4 0-1-16,-7 3 1 0,7-1 2 15,5 1 13-15,4 0 16 0,0 1 18 16,0 5-12-16,-13 1 3 0,-9 6-1 16,-12 4 7-16,-22 4 0 0,-25 5-4 15,-15 3-17-15,-13-1-13 0,-2 2-11 16,-4 0 17-16,-6 0 40 0,-16 0 42 15,-9 0-31-15,-6 0-69 0,-10 2-18 16,-2-1 16-16,-13 2-10 0,-6-2-9 16,-9 1-31-16,-7 2-27 0,7-1-9 15,5 3 2-15,13-1-5 0,-2 4-29 16,2-5-64-16,9-2-193 0,13-2-666 16,0-11-1488-16</inkml:trace>
-  <inkml:trace contextRef="#ctx0" brushRef="#br0" timeOffset="500.48">26260 16675 1441 0,'0'0'1687'0,"0"0"-1210"16,0 0-332-16,0 0-145 0,0 0-70 16,0 0-15-16,0 0 47 0,0 0 0 15,0 0-13-15,-50 8 0 0,13 13 51 16,-22 13 53-16,-22 14 36 0,-12 9-16 16,-6 5-1-16,3-5 13 0,9-6 13 15,13-1-7-15,-1 0-25 0,26-12-21 16,8-4-5-16,17-10 4 0,8-3 53 15,1 2 86-15,11 1-26 0,8 5-43 16,30 0 18-16,28-1 52 0,21-2-32 16,20-6-88-16,2-10-64 0,1-7-24 15,-10-3-64-15,6 0-10 0,-3-7 34 16,0 1-10-16,-6-6-104 16,-12 0-258-16,-22 1-762 0,-16-7-1337 0</inkml:trace>
+  <inkml:trace contextRef="#ctx0" brushRef="#br0" timeOffset="500.47">26260 16675 1441 0,'0'0'1687'0,"0"0"-1210"16,0 0-332-16,0 0-145 0,0 0-70 16,0 0-15-16,0 0 47 0,0 0 0 15,0 0-13-15,-50 8 0 0,13 13 51 16,-22 13 53-16,-22 14 36 0,-12 9-16 16,-6 5-1-16,3-5 13 0,9-6 13 15,13-1-7-15,-1 0-25 0,26-12-21 16,8-4-5-16,17-10 4 0,8-3 53 15,1 2 86-15,11 1-26 0,8 5-43 16,30 0 18-16,28-1 52 0,21-2-32 16,20-6-88-16,2-10-64 0,1-7-24 15,-10-3-64-15,6 0-10 0,-3-7 34 16,0 1-10-16,-6-6-104 16,-12 0-258-16,-22 1-762 0,-16-7-1337 0</inkml:trace>
   <inkml:trace contextRef="#ctx0" brushRef="#br0" timeOffset="29400.92">25630 8709 909 0,'0'0'1180'0,"0"0"-1056"16,0 0-102-16,-52-43 4 0,33 30-26 16,7 1-3-16,-4 0 3 0,1 0 34 15,5 3 8-15,-2-2 26 0,-1 2-3 16,4 3-7-16,-3 0-9 0,2 2-49 16,-2 3-23-16,0 1-3 0,-4 0-13 15,-6 8 10-15,-6 5 29 0,4 7 13 16,-7 3 23-16,-16 11 19 0,-15 14 25 15,-22 19 36-15,-12 11 13 16,-9 9-10-16,-13 9-10 0,-9-2-13 16,-6 7-4-16,-7 7-9 0,4 1-3 15,-1-3 34-15,19 0-29 0,7-6-56 16,12-6-29-16,9-3-21 0,9-3-65 16,13-5-22-16,3-7-35 0,6-1-13 15,9-8-84-15,13-14-195 0,9-12-220 16,13-17-507-16</inkml:trace>
   <inkml:trace contextRef="#ctx0" brushRef="#br0" timeOffset="29718.29">24002 9560 3220 0,'0'0'417'15,"0"0"-357"-15,0 0 3 0,-62 3-63 16,-6 21-111-16,-28 25-111 0,-16 17 44 16,-5 8 114-16,5 4 32 0,16-6 32 15,3 5 0-15,9 2 35 0,3-1-35 16,23-1-19-16,11-15 0 0,25-17 6 15,16-16 13-15,15-8 30 0,16 2-1 16,40 4-10-16,31-3 70 0,25-9-31 16,7-15-58-16,-1-10-99 0,-25-17-279 15,-24 3-743-15,-16-9-643 0</inkml:trace>
   <inkml:trace contextRef="#ctx0" brushRef="#br0" timeOffset="30367.39">21726 12817 1747 0,'0'0'1332'0,"0"0"-1096"15,0 0-166-15,0 0 19 0,0 0 25 16,0 0-88-16,0 0-26 0,-83 13-153 15,21 24 20-15,-31 26 40 0,-13 20 33 16,-8 14 24-16,-1 5 36 0,6 4 1 16,1 3-1-16,-1 2 3 0,1 0-3 15,9-5 17-15,6-7-17 0,6-12-100 16,22-13-218-16,3-14-250 0,18-23-559 16</inkml:trace>
   <inkml:trace contextRef="#ctx0" brushRef="#br0" timeOffset="30580.02">19584 13941 3409 0,'-40'51'522'16,"24"-2"-472"-16,7-3-37 0,18-1-16 15,22 7 3-15,31 3-57 0,13-3 19 16,24-15 13-16,3-23 10 0,7-11-52 16,2-5-192-16,-24-11-280 0,-25 4-728 15</inkml:trace>
   <inkml:trace contextRef="#ctx0" brushRef="#br0" timeOffset="31301.14">18055 8899 2519 0,'-99'73'556'0,"9"1"-431"0,-12 19-26 0,6 3 140 15,0 6 13-15,-7 6-157 0,7 5 2 16,3-4 11-16,6-5 1 0,4-8-37 16,14-6-23-16,4-9-21 0,13-5-28 15,5-3-87-15,4-9-123 0,18-10-66 16,0-13-114-16,13-17-176 0,2-11-405 15,1-7-488-15</inkml:trace>
-  <inkml:trace contextRef="#ctx0" brushRef="#br0" timeOffset="31584.11">16920 9582 2786 0,'0'0'302'0,"0"0"-267"0,0 0 100 16,0 0 49-16,0 0-111 0,-55 7-73 16,-7 36-213-16,-35 34 47 0,-23 20 89 15,2 13 16-15,6-3 61 0,19-14 13 16,19-10 42-16,21-22 60 0,25-16 35 16,19-21 28-16,12-7 31 15,19 0-86-15,33-1-41 0,35 3 119 16,16-6 1-16,5-7-77 0,-2-5-64 15,-19-1-36-15,-10 2-25 0,-2 0-43 16,-19 2-100-16,-16-1-93 0,-15-1-167 16,-9 0-388-16,-4-5-1244 0</inkml:trace>
-  <inkml:trace contextRef="#ctx0" brushRef="#br0" timeOffset="61067.72">6403 14182 29 0,'0'0'551'0,"0"0"-19"0,0 0 83 16,50 9-385-16,-38-5-48 0,10 3-104 16,-4 0-20-16,-2 5-19 0,2-3-37 15,-2 0-2-15,2 4-11 0,-2 2 11 16,-1 2 33-16,-5 1-7 0,8 5 3 15,1 0-28-15,0 4-1 0,5 0 0 16,1 0 0-16,9 0-2 0,3-3-50 16,16 1 3-16,9-2 48 0,16-2 1 15,-1-2 71-15,7-6 85 0,-7-1 47 16,1 0-26-16,6-2-30 0,-1 2-38 16,7 1-64-16,6-1-16 0,4-2-29 15,-1 0 0-15,3 1 0 0,4 0-19 16,8-4-20-16,1-2 14 15,0-3 6-15,9-2 19 0,0-6 0 16,3-4 19-16,0-3 6 0,3 2 39 16,1-2 22-16,-1 0-13 0,-3 2-44 15,0 1-29-15,-3-2 0 0,0 4-2 16,-3-1-11-16,-3 2-6 0,-3-1 0 16,-7-1 17-16,-6 0-14 0,-2 1 15 15,-7-5 1-15,-6 2 0 0,-1-2 1 16,-5-4 15-16,0 0-14 0,-13-3 14 15,-3 2-16-15,0-2 0 0,-15 0-13 16,-13 3-57-16,-6 3-38 0,-6-3 2 16,6-2 55-16,0-4 51 0,3-1 24 15,-9-2 21-15,-7-2 13 0,-9-2 19 16,1 0-26-16,-7-5-51 0,-3 0 0 16,-6-2-18-16,-10-2 18 0,-6-2 51 15,1-1-4-15,-13 1 14 0,-4-9-17 16,-11-8 4-16,-10-10 18 15,-6-2 42-15,-3 6 27 0,3 5-37 16,6 8-26-16,-13-1-18 0,1 4-13 16,0 0-17-16,-4-2-24 0,-2 3-1 15,-1 1-24-15,-2-4-20 0,-1 5-24 16,-3-1-6-16,-3 0 3 0,-6 3-10 16,3-2 34-16,-9 3 32 0,0 7 16 15,-6-1 25-15,-4 5 6 0,-3 7 17 16,-2-1-20-16,-10 7-28 0,3 3 0 15,-3 2-1-15,0 4-21 0,3 2 9 16,0-2 13-16,3 1-16 0,-3 3 13 16,-3 1-16-16,0 2 17 15,0 2 2-15,-6 2-12 0,0 11 11 16,-1 0-31-16,-5 2 7 0,3 7-23 16,2-2 13-16,1 4-15 0,6 0 49 15,3 2-1-15,3-2 2 0,4 3 0 16,5-1 38-16,4 3 15 0,2 1-2 15,7-2 19-15,3 3-4 0,6 2 9 16,-3 3-18-16,10 7-45 0,2-1-12 16,4 3-31-16,9 5-4 0,3 0-6 15,6 2-15-15,9 0-20 0,7 1-19 16,9-7-41-16,13-8-36 0,5-8-19 16,7-1 11-16,0 5 68 0,6 3 47 15,3 6 40-15,9 0 21 0,10 0 2 16,12-2 2-16,13 9 0 0,18 4 0 15,25 4 16-15,9-4-14 0,6-7 0 16,-6-5 14-16,1-5 9 16,5-4-25-16,10 2-10 0,0-3-61 15,6-1-10-15,6 3 37 0,3-4 44 16,3 1 13-16,7 0 26 0,-1-4 90 16,1-5-4-16,2-2-9 0,1-5-4 15,-3-4-4-15,-1 0-6 0,-9-5-12 16,-3 1-27-16,-3 1-37 0,-6-3-16 15,-6 3-10-15,-4-3-19 0,-11 3-159 16,-14-4-254-16,-27-3-1008 0</inkml:trace>
+  <inkml:trace contextRef="#ctx0" brushRef="#br0" timeOffset="31584.1">16920 9582 2786 0,'0'0'302'0,"0"0"-267"0,0 0 100 16,0 0 49-16,0 0-111 0,-55 7-73 16,-7 36-213-16,-35 34 47 0,-23 20 89 15,2 13 16-15,6-3 61 0,19-14 13 16,19-10 42-16,21-22 60 0,25-16 35 16,19-21 28-16,12-7 31 15,19 0-86-15,33-1-41 0,35 3 119 16,16-6 1-16,5-7-77 0,-2-5-64 15,-19-1-36-15,-10 2-25 0,-2 0-43 16,-19 2-100-16,-16-1-93 0,-15-1-167 16,-9 0-388-16,-4-5-1244 0</inkml:trace>
+  <inkml:trace contextRef="#ctx0" brushRef="#br0" timeOffset="61067.71">6403 14182 29 0,'0'0'551'0,"0"0"-19"0,0 0 83 16,50 9-385-16,-38-5-48 0,10 3-104 16,-4 0-20-16,-2 5-19 0,2-3-37 15,-2 0-2-15,2 4-11 0,-2 2 11 16,-1 2 33-16,-5 1-7 0,8 5 3 15,1 0-28-15,0 4-1 0,5 0 0 16,1 0 0-16,9 0-2 0,3-3-50 16,16 1 3-16,9-2 48 0,16-2 1 15,-1-2 71-15,7-6 85 0,-7-1 47 16,1 0-26-16,6-2-30 0,-1 2-38 16,7 1-64-16,6-1-16 0,4-2-29 15,-1 0 0-15,3 1 0 0,4 0-19 16,8-4-20-16,1-2 14 15,0-3 6-15,9-2 19 0,0-6 0 16,3-4 19-16,0-3 6 0,3 2 39 16,1-2 22-16,-1 0-13 0,-3 2-44 15,0 1-29-15,-3-2 0 0,0 4-2 16,-3-1-11-16,-3 2-6 0,-3-1 0 16,-7-1 17-16,-6 0-14 0,-2 1 15 15,-7-5 1-15,-6 2 0 0,-1-2 1 16,-5-4 15-16,0 0-14 0,-13-3 14 15,-3 2-16-15,0-2 0 0,-15 0-13 16,-13 3-57-16,-6 3-38 0,-6-3 2 16,6-2 55-16,0-4 51 0,3-1 24 15,-9-2 21-15,-7-2 13 0,-9-2 19 16,1 0-26-16,-7-5-51 0,-3 0 0 16,-6-2-18-16,-10-2 18 0,-6-2 51 15,1-1-4-15,-13 1 14 0,-4-9-17 16,-11-8 4-16,-10-10 18 15,-6-2 42-15,-3 6 27 0,3 5-37 16,6 8-26-16,-13-1-18 0,1 4-13 16,0 0-17-16,-4-2-24 0,-2 3-1 15,-1 1-24-15,-2-4-20 0,-1 5-24 16,-3-1-6-16,-3 0 3 0,-6 3-10 16,3-2 34-16,-9 3 32 0,0 7 16 15,-6-1 25-15,-4 5 6 0,-3 7 17 16,-2-1-20-16,-10 7-28 0,3 3 0 15,-3 2-1-15,0 4-21 0,3 2 9 16,0-2 13-16,3 1-16 0,-3 3 13 16,-3 1-16-16,0 2 17 15,0 2 2-15,-6 2-12 0,0 11 11 16,-1 0-31-16,-5 2 7 0,3 7-23 16,2-2 13-16,1 4-15 0,6 0 49 15,3 2-1-15,3-2 2 0,4 3 0 16,5-1 38-16,4 3 15 0,2 1-2 15,7-2 19-15,3 3-4 0,6 2 9 16,-3 3-18-16,10 7-45 0,2-1-12 16,4 3-31-16,9 5-4 0,3 0-6 15,6 2-15-15,9 0-20 0,7 1-19 16,9-7-41-16,13-8-36 0,5-8-19 16,7-1 11-16,0 5 68 0,6 3 47 15,3 6 40-15,9 0 21 0,10 0 2 16,12-2 2-16,13 9 0 0,18 4 0 15,25 4 16-15,9-4-14 0,6-7 0 16,-6-5 14-16,1-5 9 16,5-4-25-16,10 2-10 0,0-3-61 15,6-1-10-15,6 3 37 0,3-4 44 16,3 1 13-16,7 0 26 0,-1-4 90 16,1-5-4-16,2-2-9 0,1-5-4 15,-3-4-4-15,-1 0-6 0,-9-5-12 16,-3 1-27-16,-3 1-37 0,-6-3-16 15,-6 3-10-15,-4-3-19 0,-11 3-159 16,-14-4-254-16,-27-3-1008 0</inkml:trace>
   <inkml:trace contextRef="#ctx0" brushRef="#br0" timeOffset="107154.46">11966 8155 754 0,'0'0'0'0,"0"0"788"16,0 0-397-16,0 0-279 0,-53-48-112 15,31 35-49-15,0 2-25 0,-2 0-14 16,-1-2 88-16,-6 0 36 0,3-1 100 16,3-3-3-16,-9-2-91 0,9-3-42 15,-3-1-149-15,3-3-120 0,1-1-119 16,2-3-191-16,6 7-119 15</inkml:trace>
   <inkml:trace contextRef="#ctx0" brushRef="#br0" timeOffset="108585.76">11336 7567 354 0,'0'0'701'15,"-62"-55"-356"-15,19 23-149 0,-16-3-5 16,-25-12-74-16,-9 5-22 0,3 7 25 16,0 3-26-16,6 8-20 0,-2 0-48 15,-4 0 19-15,0 1 36 0,0 0 35 16,-3 0 7-16,-3 4 6 0,0 1-58 15,-10 1-71-15,4 1-10 0,-10 1-35 16,4 2-16-16,-1 0 3 16,-2-4 16-16,-4 5 19 0,-3 0 21 15,-6 1 0-15,0 3 0 0,-3-1 2 16,-6 5-3-16,-4 2-10 0,1 2 13 16,-7 3 14-16,0 6 12 0,1 0-7 15,-1 2-6-15,0 2-13 0,-2 0 0 16,-1 6-23-16,-3 0 1 0,0 1 10 15,1 2 11-15,-4 2 2 0,-3 2 43 16,0 2 36-16,-1 2 17 0,-2 4-14 16,0 6 78-16,0 3-1 0,-3 7-14 15,6 5-38-15,0 7-41 0,3 4-67 16,6-1-1-16,0 2-37 0,7 1-26 16,6 1-19-16,-4 3 1 0,1 3 47 15,5 6 3-15,-8 5-3 0,-1 8 9 16,4 6 7-16,-4 7-4 0,13 5 20 15,-3 6-25-15,15 0 25 0,1 2-22 16,5-1 6-16,16-2-84 16,6-2-90-16,7 0-23 0,8-2 45 15,1-5 83-15,12-1 87 0,0-1 1 16,6 0 20-16,1-1 64 0,2 7 26 16,1 2 3-16,2 3 3 0,4 2-13 15,-1 0 12-15,10-4-22 0,6 0-16 16,6-2-42-16,10 0-35 0,9 2-6 15,3-4-13-15,3 1-19 0,9-4-23 16,13-7 9-16,-3 0 30 0,9-5-7 16,0-4-3-16,6 1 30 0,4-2-21 15,5 0 22-15,-3 6 1 0,4-2 2 16,-1 5 0-16,1 5 1 0,-1 4-2 16,4 4-1-16,0 0-12 0,-1-1 12 15,7-4 13-15,3-5 6 0,-3-4-16 16,12-3-3-16,3-1-3 0,1-2 3 15,8-5 2-15,-2-2 11 0,2-1-10 16,4 3 10-16,-3-5-11 16,-1 5 1-16,4-1-1 0,-6 5-2 15,8 5-38-15,1 3 16 0,-3 2-7 16,0 1 17-16,6-2 12 0,-4-6 3 16,4-3 13-16,3-4-16 0,-3-5 1 15,6-3-1-15,4-3 36 0,2-8 18 16,10 2 17-16,2-7-23 0,-2-1 6 15,6-1-25-15,3-4-7 0,-3 2-20 16,9-3-2-16,-6 2-22 0,6 0 22 16,-3-5 2-16,6 0 1 0,0-1 36 15,0-2 37-15,4-2-56 0,-1-2-20 16,0-1 0-16,7-3-2 16,3-6-1-16,-1-4-41 0,7-4 44 15,3-6 10-15,3-4 25 0,0-6-22 16,3-5-13-16,-6-3 3 0,6-5 20 15,-3 0-7-15,-3-6-16 0,0-6 3 16,0 0 8-16,-3-6-10 0,6-2 11 16,-9-1 1-16,-1-3 9 0,1-1-19 15,0 0 0-15,0-5 17 0,-1 1-2 16,-2-5-18-16,3-7 0 0,3 0 1 16,-7-9-1-16,7-6-4 0,-6-9-37 15,-4-3-35-15,-2-8 6 0,-4-3-7 16,-6-1 7-16,-3-1 28 0,-9 0 39 15,-4-6 3-15,-2 2 25 0,-10-5 11 16,0-3 2-16,1 1 19 0,-10-5 4 16,-4 1 3-16,1-6-13 0,-9-1-16 15,-4-5-10-15,1-2-25 0,-4-6 0 16,-12-1-3-16,3 0-22 16,-3-4-7-16,-7 6 0 0,-5 0 0 15,-4-4 30-15,-5 0 2 0,-4 3 10 16,-10-2 15-16,4 5 10 0,-15 3 22 15,2-2-12-15,-9 7-1 0,-6 1-44 16,0 1 0-16,-9 5 0 0,-3-2-1 16,-1 4 1-16,-2-1-1 0,-4-3 2 15,1-2-2-15,-4 0-16 0,-3-6-21 16,-6 3-3-16,3-4 41 0,-6 1 12 16,-3-2-12-16,0-3 0 0,-1-4-63 15,-2-2 9-15,-3-1 16 0,-4 0 38 16,-2 2 38-16,-4 0 35 0,-3 4 16 15,0 4 3-15,-6-2-19 0,3 4 6 16,-3 3 9-16,3 1 34 0,4-1-69 16,-7 4-21-16,3-3-32 0,0 4-35 15,0-2-24-15,0-2 56 0,0 0-38 16,0 2-16-16,0 0 38 16,0 0-2-16,-3 0 21 0,-3 1 13 0,0 1-13 15,-3 3 3-15,-7 4 10 16,-2 6 6-16,-4 7-19 0,1 9-19 15,-7 3-25-15,3 10-4 0,-3 6-46 16,4 8-39-16,-7 8-14 0,0 14-54 16,-6 6-190-16,0 10-203 0,21 6-450 15</inkml:trace>
 </inkml:ink>
@@ -3510,11 +3762,11 @@
   <inkml:trace contextRef="#ctx0" brushRef="#br0" timeOffset="15898.93">11637 6740 1547 0,'0'0'988'16,"0"0"-972"-16,0 0 235 0,0 0 138 16,0 0-71-16,65-6-43 0,-43 3-61 15,-1 1-57-15,1 0-26 0,-3 0-13 16,-1-1-47-16,1 1-46 16,-7 0-24-16,1 0-1 0,-1 2-70 15,1-4-110-15,-1 2-162 0,3-1-240 16,-5 1-688-16,2-2-660 0</inkml:trace>
   <inkml:trace contextRef="#ctx0" brushRef="#br0" timeOffset="16052.93">11873 6751 2047 0,'0'0'1155'0,"0"0"-1018"0,-47 52 108 16,28-27 96-16,1 6-115 0,-4 1-123 15,3 1-94-15,4-2-9 0,-1-1-31 16,7-4-87-16,3-2-31 0,3-5-77 15,3-3-142-15,6-1-298 0,3-5-465 16,4-5-375-16</inkml:trace>
   <inkml:trace contextRef="#ctx0" brushRef="#br0" timeOffset="16417.68">12108 6896 1683 0,'0'0'698'0,"0"0"-482"0,0 0 65 16,0 0 87-16,0 0 23 0,0 0-70 16,0 0-92-16,0 0-67 0,-56-8-35 15,41 18-22-15,-1 6-24 0,-2 5-81 16,-1 5 0-16,1 7-25 0,2-2 3 15,7 3 10-15,3-2-13 0,2-3-12 16,4-5 0-16,0-3-9 0,4-4-1 16,8-4 35-16,0-6 0 0,10-3 12 15,-6-4 47-15,5-1 18 0,1-9 6 16,-3-4-12-16,2-6-4 16,-11-2 0-16,-1 1-18 0,-3-2 0 15,-6-2-10-15,0 3-27 0,-3-2-52 0,-3 1-124 16,3 3-127-16,-4 1-233 15,4 5-669-15,0-3-854 0</inkml:trace>
-  <inkml:trace contextRef="#ctx0" brushRef="#br0" timeOffset="17003.81">12254 6764 1205 0,'0'0'1062'0,"0"0"-982"0,0 0 143 16,0 0 93-16,0 0-5 15,0 0-75-15,0 0-74 0,0 0-33 16,0 0 10-16,0 0-17 0,6 64-59 16,-6-39-21-16,0-1-24 0,0 1-2 15,0-3-14-15,-3-2 0 0,3-2 1 16,-3-2 10-16,3-5 2 0,-3 1 7 15,0-6 6-15,0 0 10 0,3-4 11 16,-4-2 1-16,1 0 0 0,3 0 2 16,-3-2 10-16,3-3 25 0,-3-2-32 15,3-2-53-15,0 0-1 0,0-3 0 16,0 0 12-16,0-1 8 0,0 2 10 16,3-2 0-16,3 0-16 0,1 0-13 15,2 1 1-15,0-2 16 0,7 1-7 16,-7 0 6-16,7 0-5 0,-4 2-10 15,4 0 9-15,-1 3-9 16,1-1 19-16,-1 3-19 0,1 3-1 16,-4-2-1-16,0 5-1 0,-2 0-16 15,-1 0-11-15,0 1-1 0,-3 4-6 16,1 3-6-16,-4 1 13 0,-3 1-13 16,0 1 21-16,0 7 18 0,-3-1 1 15,-7 3 1-15,1 1 1 0,-3 2-2 16,-1 2-2-16,4-3-10 0,-7 4 11 15,7-5-1-15,-3 3 2 0,6 0 1 16,2-2 51-16,-2 0 10 0,6-1 5 16,0-1-21-16,3-3-6 0,4-1-22 15,5-3-6-15,-3-1-12 0,4-1-31 16,2-3-67-16,1-3-84 0,2-5-108 16,1-4-202-16,-7-3-526 0,4-18-1012 0</inkml:trace>
+  <inkml:trace contextRef="#ctx0" brushRef="#br0" timeOffset="17003.8">12254 6764 1205 0,'0'0'1062'0,"0"0"-982"0,0 0 143 16,0 0 93-16,0 0-5 15,0 0-75-15,0 0-74 0,0 0-33 16,0 0 10-16,0 0-17 0,6 64-59 16,-6-39-21-16,0-1-24 0,0 1-2 15,0-3-14-15,-3-2 0 0,3-2 1 16,-3-2 10-16,3-5 2 0,-3 1 7 15,0-6 6-15,0 0 10 0,3-4 11 16,-4-2 1-16,1 0 0 0,3 0 2 16,-3-2 10-16,3-3 25 0,-3-2-32 15,3-2-53-15,0 0-1 0,0-3 0 16,0 0 12-16,0-1 8 0,0 2 10 16,3-2 0-16,3 0-16 0,1 0-13 15,2 1 1-15,0-2 16 0,7 1-7 16,-7 0 6-16,7 0-5 0,-4 2-10 15,4 0 9-15,-1 3-9 16,1-1 19-16,-1 3-19 0,1 3-1 16,-4-2-1-16,0 5-1 0,-2 0-16 15,-1 0-11-15,0 1-1 0,-3 4-6 16,1 3-6-16,-4 1 13 0,-3 1-13 16,0 1 21-16,0 7 18 0,-3-1 1 15,-7 3 1-15,1 1 1 0,-3 2-2 16,-1 2-2-16,4-3-10 0,-7 4 11 15,7-5-1-15,-3 3 2 0,6 0 1 16,2-2 51-16,-2 0 10 0,6-1 5 16,0-1-21-16,3-3-6 0,4-1-22 15,5-3-6-15,-3-1-12 0,4-1-31 16,2-3-67-16,1-3-84 0,2-5-108 16,1-4-202-16,-7-3-526 0,4-18-1012 0</inkml:trace>
   <inkml:trace contextRef="#ctx0" brushRef="#br0" timeOffset="17683.87">12638 6775 661 0,'0'0'1579'15,"0"0"-1398"-15,0 0 84 0,0 0 213 16,0 0-33-16,0 0-123 0,0 0-152 16,0 0-67-16,0 0-69 15,0 0-9-15,-9 47 3 0,9-24 6 0,-9 2 16 16,6 5 6-16,-4 3 12 16,1-2 15-16,0 1-9 0,3 0-21 15,-3-5-23-15,3-1-11 0,0-5-19 16,3-2 0-16,0-7-3 0,0-1-25 15,0-7 4-15,0-2-16 0,0-2-19 16,0 0-15-16,6-2 37 0,-3-5 37 16,6-3 25-16,0-4-1 0,1-5-5 15,-1-5 2-15,0-2-18 0,1-4 13 16,-1 3-4-16,-3-3 1 0,0 2-10 16,4 0 0-16,-7 7 0 0,3 2 9 15,-3 7 13-15,-3 5 2 0,3 5-2 16,-3 2 15-16,0 0 6 0,0 5-21 15,0 5-24-15,0 5 20 0,3 5 7 16,-3 1-7-16,0 1-18 16,3-2-1-16,0-5-2 0,4-2-1 15,-4-3-17-15,0-4 15 0,6 0-22 16,-6-4 1-16,3-2-1 0,4 0 7 16,-4 0 2-16,3-2 16 0,4-4 1 15,-7-1 15-15,3-2-13 0,-3-2 18 16,4-1-2-16,-1 1-16 0,0-1 9 15,-2-2-9-15,2 3-2 0,-3-2-1 16,0 4-3-16,0 4-18 0,-2 3-1 16,-1 2 22-16,0 0 6 0,-3 6 22 15,6 5 24-15,0 7 6 0,-3 3-18 16,-3 6-9-16,3 1-1 0,0 1 4 16,-3-2-10-16,0-1-6 0,4-2-18 15,-4 0-3-15,0-6-9 0,0 1-40 16,0-2-110-16,3-2-117 0,0-4-199 15,0-2-471-15,0-5-570 0</inkml:trace>
   <inkml:trace contextRef="#ctx0" brushRef="#br0" timeOffset="17933.87">13045 6747 2285 0,'0'0'674'0,"0"0"-623"16,0 0 125-16,0 0 22 0,0 0-55 15,24 51-61-15,-14-11-28 0,-1 16 28 16,0 18 79-16,-6 8 28 16,-3-3-33-16,-6-6-1 0,-9-6 3 15,-4-4-35-15,-3 0-67 0,4-13-56 16,-4-9-28-16,7-13-28 0,2-4-36 15,-5 5-69-15,-1-5-144 0,7 0-332 16,-10-10-1211-16</inkml:trace>
   <inkml:trace contextRef="#ctx0" brushRef="#br0" timeOffset="32432.77">17215 6716 507 0,'0'0'374'0,"0"0"483"16,0 0-611-16,0 0-103 0,0 0 55 15,0 0 41-15,0 0-81 0,0 0-61 16,0 0-11-16,0-22 17 0,0 22 25 15,0 0 6-15,0 0-6 0,0 0 2 16,0 0 3-16,0 0 18 0,0 3 10 16,-3 5-19-16,-3 9-67 0,-1 23-29 15,-11 26-5-15,-1 30-1 0,-2 11 31 16,2-5 50-16,7-16 77 16,8-17-54-16,1-16-49 0,3-14-37 15,0-10-27-15,3-4-31 0,-3 2-31 16,10-2-61-16,-1 4-67 0,7-6-97 15,-1-6-173-15,7-5-213 0,-7-6-494 16,4-10-667-16</inkml:trace>
-  <inkml:trace contextRef="#ctx0" brushRef="#br0" timeOffset="33265.19">17550 6728 445 0,'0'0'814'0,"0"0"-166"16,0 0-386-16,0 0-97 0,0 0-74 15,0 0 6-15,0 0 19 16,-22 64 23-16,16-36 9 0,-3 5 31 16,-1 4 13-16,1 11-27 0,-6 12-19 15,-1 10-13-15,4-5-4 0,-1-13-6 16,4-18-3-16,6-9-27 0,-3 2-27 16,-1 0-26-16,4 3-21 0,0-10-7 15,0-3-9-15,3-7-3 0,0-5-1 16,0-3-21-16,0-2-9 0,0-4 15 15,3-5 16-15,0-6 53 0,4-7 15 16,-1-6-25-16,0-5-31 0,6-6-12 16,-5-1-3-16,-1-2 1 0,0-1 2 15,6-1 28-15,-5 1 16 0,5 4-1 16,-3 2 0-16,-6 9 0 0,0 8-12 16,1 8-6-16,-1 6 15 0,-3 5 24 15,0 1 4-15,0 4-16 0,0 6-52 16,-3 4-36-16,-1 12 5 0,1 1 16 15,3 3-7-15,0-3 1 16,0-3 6-16,0-4 11 0,3-4 2 16,7-6-13-16,-4-3-3 0,0-5-10 15,10-2 10-15,-7-2 18 0,10-9 18 16,-1-3 7-16,-5-5-7 0,2-5-15 16,4 1 22-16,-4-1-13 0,-6-2 0 15,7 2 0-15,-4 0 4 0,-2 4 24 16,-4 2 6-16,0 6-4 0,0 5-5 15,-3 5 3-15,-3 0 33 0,0 2 52 16,0 6-21-16,0 7-62 0,0 9-15 16,-3 7 7-16,3 7-13 0,-3 3-9 15,3-4 3-15,0-3-15 16,0-4-14-16,3-3-40 0,7-4-38 16,-1-1-69-16,3-5-95 0,1-3-246 15,2-4-503-15,-2-3-517 0,-1-5-373 0</inkml:trace>
+  <inkml:trace contextRef="#ctx0" brushRef="#br0" timeOffset="33265.18">17550 6728 445 0,'0'0'814'0,"0"0"-166"16,0 0-386-16,0 0-97 0,0 0-74 15,0 0 6-15,0 0 19 16,-22 64 23-16,16-36 9 0,-3 5 31 16,-1 4 13-16,1 11-27 0,-6 12-19 15,-1 10-13-15,4-5-4 0,-1-13-6 16,4-18-3-16,6-9-27 0,-3 2-27 16,-1 0-26-16,4 3-21 0,0-10-7 15,0-3-9-15,3-7-3 0,0-5-1 16,0-3-21-16,0-2-9 0,0-4 15 15,3-5 16-15,0-6 53 0,4-7 15 16,-1-6-25-16,0-5-31 0,6-6-12 16,-5-1-3-16,-1-2 1 0,0-1 2 15,6-1 28-15,-5 1 16 0,5 4-1 16,-3 2 0-16,-6 9 0 0,0 8-12 16,1 8-6-16,-1 6 15 0,-3 5 24 15,0 1 4-15,0 4-16 0,0 6-52 16,-3 4-36-16,-1 12 5 0,1 1 16 15,3 3-7-15,0-3 1 16,0-3 6-16,0-4 11 0,3-4 2 16,7-6-13-16,-4-3-3 0,0-5-10 15,10-2 10-15,-7-2 18 0,10-9 18 16,-1-3 7-16,-5-5-7 0,2-5-15 16,4 1 22-16,-4-1-13 0,-6-2 0 15,7 2 0-15,-4 0 4 0,-2 4 24 16,-4 2 6-16,0 6-4 0,0 5-5 15,-3 5 3-15,-3 0 33 0,0 2 52 16,0 6-21-16,0 7-62 0,0 9-15 16,-3 7 7-16,3 7-13 0,-3 3-9 15,3-4 3-15,0-3-15 16,0-4-14-16,3-3-40 0,7-4-38 16,-1-1-69-16,3-5-95 0,1-3-246 15,2-4-503-15,-2-3-517 0,-1-5-373 0</inkml:trace>
   <inkml:trace contextRef="#ctx0" brushRef="#br0" timeOffset="33633.18">17832 7305 333 0,'0'0'84'0,"0"0"1243"0,0 0-652 15,0 0-417-15,0 0-49 0,0 0 0 16,19-74-69-16,-13 43-34 0,6-4-14 16,7-4 13-16,-1 0 62 0,7-4 19 15,-6 0-19-15,3 1-7 16,-1 3-2-16,-5 3-9 0,-4 5-17 16,4 5-2-16,-4 6-5 0,-9 5-18 15,0 7-9-15,-3 5-16 0,3 3-8 16,-3 0-23-16,0 0-17 0,0 5-34 15,3 10-49-15,1 6 48 0,-1 8 1 16,3 8 0-16,3 2-2 0,-3 4-16 16,4 0 3-16,-4-4-7 0,6 1-30 15,1-3-48-15,-1-3-47 0,-3-1-77 16,-2-3-100-16,2-6-154 0,-6-2-162 16,0-9-438-16,-6-2-516 0</inkml:trace>
   <inkml:trace contextRef="#ctx0" brushRef="#br0" timeOffset="33809.36">17944 7070 3408 0,'0'0'664'0,"0"0"-536"16,0 0 71-16,0 0 122 0,0 0-33 16,0 0-132-16,0 0-89 0,0 0-46 15,49-11-21-15,-33 10-3 0,9 0-9 16,-1-1-52-16,7 1-61 0,-3-1-74 15,6 0-75-15,0-3-170 0,-3-1-247 16,-6 2-501-16,0-7-432 0</inkml:trace>
   <inkml:trace contextRef="#ctx0" brushRef="#br0" timeOffset="34017.25">18393 6859 1391 0,'0'0'1579'15,"0"0"-1346"-15,0 0 35 0,0 0 187 16,0 0-24-16,0 0-131 0,0 0-143 16,0 0-59-16,-12 63 31 0,3-34-10 15,5 1-64-15,1-2-55 0,0 2-11 16,3-2-13-16,0 0-43 0,3-2-49 16,0-3-89-16,10-2-113 0,-4-3-200 15,0-5-265-15,-5-1-478 0,-4-5-529 0</inkml:trace>
@@ -3538,12 +3790,12 @@
   <inkml:trace contextRef="#ctx0" brushRef="#br0" timeOffset="86218.88">6239 6047 886 0,'0'0'133'0,"0"0"980"0,0 0-783 16,0 0-85-16,0 0 25 0,0 0-33 16,0 0-78-16,0 0 4 0,-53-8-2 15,53 8-22-15,0-4 11 0,0 3-23 16,0-2-34-16,0 0-55 0,0 1-20 15,3-4-18-15,-3 1 1 0,3-3-2 16,0-3 1-16,0 0-3 0,3-3-12 16,4 0 1-16,-7-2 14 0,9 2 25 15,1 1 0-15,-4 1 9 0,0 1 3 16,-3 3-3-16,7-3 1 0,-4 3-1 16,4 3-10-16,-1-4-8 0,-6 1-16 15,13 1 0-15,-1-1-2 16,-2-1-11-16,6 0 12 0,-1-2-1 15,7-3 2-15,3 0 0 0,3-2 1 16,0 2-1-16,7-6 13 0,-1 3-12 16,0-2-1-16,7 3-1 0,-4-1 1 15,1 1 15-15,2 2-14 0,1 1 12 16,2 2-2-16,1-2-10 0,6 0-1 16,9 0 2-16,9-3-2 0,1-2 2 15,-4 4-1-15,-6-2 2 0,-6 3-3 16,-6 2 1-16,6 1-1 0,0-3 1 15,-1 4-1-15,-2 1 2 0,3-1-1 16,-3 4-1-16,-3-3 0 16,3 1-1-16,2 5 0 0,-2-4 1 15,3 3 0-15,3-1 19 0,0-1-16 16,3 4 9-16,0-5 4 0,4 2-15 16,2 1 1-16,3-2 10 0,1-1 0 15,5-1-10-15,4-4 11 0,0 3 2 16,9-1 10-16,0-4-4 0,0 5 1 15,3-1 6-15,0-1-1 0,3 2-5 16,4-1-21-16,2-1 14 0,1-1-14 16,5 0 64-16,-2-2-62 0,-1 2-1 15,-2 0-2-15,2 1-2 0,1 0 1 16,2-3-15-16,1 5 15 0,0-1 1 16,-1-1 0-16,1 3 0 0,-4 1 0 15,1 2 2-15,-1-1-2 0,1 4-2 16,3 1 0-16,-1 0 2 0,-2 1-1 15,2 5-2-15,-2 1-9 0,2-1 11 16,1 5-1-16,0 0 0 16,-4 0 1-16,7 4-2 0,-3 0 1 15,-7 3 2-15,4 1 2 0,-4 1 19 16,0 0-2-16,4 1-17 0,-1 3 10 16,1-2-12-16,3 3 2 0,-4-4 0 15,4 2 0-15,-1-2-1 0,-2 3 2 16,2 0-3-16,4 0 0 0,0-2 3 15,-7 4 9-15,4-2-12 0,0 2 1 16,2 0-1-16,-2 1 0 0,3 2 1 16,0 0-1-16,-1 0 1 0,-2 1-1 15,6 0-1-15,0-2-20 0,-1 4 18 16,10-2 2-16,-9 0-1 0,9 0 2 16,-6 2 1-16,3-2 14 0,-3 2 0 15,3 1-11-15,-3 0 14 0,3 1-6 16,-9 1 0-16,0-4 4 15,-7 2 8-15,1-3 4 0,-10 0 21 0,-3 0 100 16,-9-2-33-16,-3 0-44 16,-4 0-5-16,-12-1-6 0,1 3-19 15,-4-2-17-15,-16-6-10 0,-14-5-13 16,-8-1 1-16,-5-5-3 0,3 4-11 16,-6-2 8-16,5 1-10 0,-11-4 13 15,-7-2 19-15,-3-5 8 0,0 0 0 16,-3-3 25-16,0 3 32 0,-3-3-23 15,0 0-43-15,0 0-18 0,0-3-36 16,-3-1-58-16,-4-4-103 16,-5-3-64-16,5-4-71 0,4-7-176 15,3-5-463-15,3-7-254 0,0 6-498 16</inkml:trace>
   <inkml:trace contextRef="#ctx0" brushRef="#br0" timeOffset="86549.48">17996 6021 1562 0,'0'0'1116'16,"0"0"-1048"-16,-65 26 9 0,37-15 144 16,0 5 10-16,4-1-15 0,-10 2-61 15,9-1-76-15,0 0-41 0,6 2-27 16,-2 0-11-16,11-1-22 0,4 2-7 15,6 2 1-15,6 2 28 0,13 0 51 16,6 4 97-16,9-1 0 0,-3 4-29 16,9-3-28-16,0 1-13 0,1 0-10 15,-7 2 3-15,-6-4 28 16,-3 3 27-16,-10-2-9 0,-12 4 18 16,-3 1 12-16,-9 4-28 0,-16 2-28 15,-12 6-18-15,-22 6-25 0,-15 2-48 16,-20-7-48-16,-2-12-147 0,0-14-144 15,28-13-370-15,-9-8-1474 0</inkml:trace>
   <inkml:trace contextRef="#ctx0" brushRef="#br0" timeOffset="137765.51">31224 14343 1083 0,'0'0'274'0,"0"0"311"0,0 0-435 16,0 0-82-16,49-13 103 16,-36 8 39-16,-1-1 3 0,1 0-7 15,-1 2-33-15,-3 0-16 0,1 0 8 16,-1 1 25-16,0 3-16 0,-3-1-52 16,4 1-53-16,-7 0-31 0,0 0-9 15,0 0-1-15,0 4 10 0,-3-4 21 16,0 4 10-16,0-3 8 0,-3 2 19 15,3-3 3-15,-3 0-31 0,0 3-18 16,-10-3 20-16,-2 5 4 0,-7 1 0 16,-24 5-10-16,-13 6-9 0,-31 7 0 15,-9 3-15-15,-16 1 5 0,3 2-2 16,-5-6 18-16,-11 4 3 0,-5 0 9 16,-10 4-24-16,-2 1-13 0,-1 2-6 15,3 0 4-15,-2 0-7 0,5 3 0 16,10-4-6-16,9 0 7 0,19-4-4 15,27-8 3-15,19-5-27 16,22-8 0-16,16-4-3 0,-4 1-12 16,6 0-15-16,7-2-31 0,6-4-6 15,3 1-24-15,9-1-27 0,13 0 17 16,6-5 31-16,6-6-70 0,9-3-219 16,4-3-258-16,9-6-158 0,6-5-258 15,-6 5-113-15</inkml:trace>
-  <inkml:trace contextRef="#ctx0" brushRef="#br0" timeOffset="138167.42">29794 14267 2141 0,'0'0'762'0,"0"0"-464"16,0 0-5-16,-52-12 11 0,36 8-2 15,-2 1-43-15,-1 2-80 0,-12 1-114 16,-9 4-53-16,-22 16-11 0,-28 10 27 16,-16 12 24-16,-11 8 1 0,-4 4-10 15,3 1 3-15,-6 2 21 0,0 2 7 16,0 0-25-16,3 0-43 0,6 4-6 15,10-3-14-15,12-1 14 0,27-11 0 16,23-8-13-16,18-9 13 0,22-3 31 16,16 12 15-16,36 10 27 0,47 11 143 15,38-7 96-15,24-15-52 0,3-15-94 16,-9-16-88-16,0-4-53 16,-10-4-23-16,-5-4-2 0,-10 0-2 15,-6-3-47-15,-6-1-50 0,-7-2-79 16,-12-2-52-16,-15 1-192 0,-22-2-609 15,-25 4-677-15,-6-8-778 0</inkml:trace>
+  <inkml:trace contextRef="#ctx0" brushRef="#br0" timeOffset="138167.41">29794 14267 2141 0,'0'0'762'0,"0"0"-464"16,0 0-5-16,-52-12 11 0,36 8-2 15,-2 1-43-15,-1 2-80 0,-12 1-114 16,-9 4-53-16,-22 16-11 0,-28 10 27 16,-16 12 24-16,-11 8 1 0,-4 4-10 15,3 1 3-15,-6 2 21 0,0 2 7 16,0 0-25-16,3 0-43 0,6 4-6 15,10-3-14-15,12-1 14 0,27-11 0 16,23-8-13-16,18-9 13 0,22-3 31 16,16 12 15-16,36 10 27 0,47 11 143 15,38-7 96-15,24-15-52 0,3-15-94 16,-9-16-88-16,0-4-53 16,-10-4-23-16,-5-4-2 0,-10 0-2 15,-6-3-47-15,-6-1-50 0,-7-2-79 16,-12-2-52-16,-15 1-192 0,-22-2-609 15,-25 4-677-15,-6-8-778 0</inkml:trace>
   <inkml:trace contextRef="#ctx0" brushRef="#br0" timeOffset="161015.76">25302 13566 696 0,'0'0'466'0,"0"0"-37"0,0 0-247 16,0 0 4-16,0 0-47 0,52-35-48 15,-49 35-56-15,0 0 11 0,-3 1 12 16,0 7 59-16,0 9 5 0,0 3-31 16,-6 6-14-16,-6 9-16 0,-1 14-38 15,-5 12-20-15,-7 11 10 0,0 3-11 16,7-15 1-16,5-15 16 16,4-14-3-16,3-6-3 0,3 6-11 15,3-1-2-15,-3-1 0 0,3-1-1 16,0-9-18-16,3-4-58 0,-3-6-49 15,9-5-22-15,-3-4 28 0,0-10 120 16,1-5 15-16,-1-6-13 0,-3-5 1 16,0-6 23-16,0 0 64 0,0-5 52 15,-3 0 25-15,0 0 0 0,0 0 41 16,0 2 15-16,-3 3 15 0,0 3-27 16,0-1-3-16,0 6-5 0,0-1-27 15,3 5-18-15,-3 2-11 0,3 2-8 16,0 2-8-16,0 3-21 0,3 2-28 15,0 3-18-15,-3 3-31 0,3 0-33 16,0 2-23-16,3 1-22 0,-3 0 2 16,10 1-3-16,-1 3-21 0,0 5 12 15,1 3 6-15,-1 3 0 0,1 3 13 16,-1 3 5-16,-3 0 3 16,-2 6 28-16,2 2 0 0,-3 3 4 15,-3-3 8-15,0 7-10 0,0-3 13 16,4 1-14-16,-4-1-1 0,6 0-16 15,-6 0 14-15,6-3 2 0,1 0 11 16,-1-2 26-16,0-1 3 0,1-2-10 16,-7-1-12-16,9-2-5 0,-3-4-13 15,1-2 0-15,2-5-28 0,-6-4-36 16,10-4-65-16,-4-3-24 0,4-3-126 16,-4-11-171-16,4-3-272 0,-4 0-558 15,4-20-422-15</inkml:trace>
   <inkml:trace contextRef="#ctx0" brushRef="#br0" timeOffset="161184.76">25832 13670 927 0,'0'0'768'16,"0"0"-336"-16,0 0-124 0,3-55-44 16,-3 43-177-16,0 1-87 0,-6 4-225 15,3 3-99-15,-4 2-36 0,1 2 19 16,3 0 32-16,0 5 42 0,0 1 146 15,3 0 92-15,0 1 29 0,0-1 0 16,6 0-134-16,-3-1-476 0</inkml:trace>
   <inkml:trace contextRef="#ctx0" brushRef="#br0" timeOffset="162216.1">25460 13644 280 0,'0'0'98'0,"0"0"13"15,0 0 1041-15,0 0-717 0,0 0 15 16,0 0-2-16,0 0-55 0,0 0-104 16,0 0-91-16,0 0-72 0,-28-32-53 15,22 32-48-15,-1 0-25 0,-2 3-13 16,6 6-26-16,-3 1-2 0,0 5 39 16,-4 7 2-16,4 6 19 0,-3 6 9 15,-1 16 20-15,-2 12-10 0,-3 11 9 16,-7 1 2-16,13-4 14 0,-4-15-4 15,7-20-28-15,0-7-6 0,3-6 2 16,-7 6-11-16,7-4-13 16,3 2-3-16,-3-2-22 0,3-6-30 15,0-5-35-15,0-5-29 0,3-3-35 16,0-5-3-16,10-1 104 0,-4-11 50 16,0-6 50-16,4-10 7 0,-1-7-32 15,1-7-3-15,-4-1-22 0,0-2 16 16,0-1 6-16,1 1-10 0,-4 4 33 15,0 3 46-15,0-1-7 0,-3 3-22 16,1 7 19-16,-1-1 12 0,0 2 30 16,-3 6 19-16,0 0-16 0,0 2-22 15,0 3-15-15,0 4-13 0,0-2-12 16,0 6-6-16,0 0 3 0,0 1 3 16,0 3 3-16,0 4 6 0,0-2-31 15,0 3-42-15,0 0-13 0,0 0-27 16,0 0-8-16,3 4-19 0,0 1 24 15,6 3 19-15,1 2 0 0,2 5-1 16,3 2 24-16,1 1-2 16,-1 5 2-16,1-1-1 0,0 4 0 15,2-2-1-15,-2 2 3 0,-1-2 10 16,1-2-10-16,-4-1 1 0,0-3 2 16,-8-4-3-16,5 0 1 0,-6-1-1 15,-3 0-4-15,-6-3-23 0,-7 3 3 16,-2-2-1-16,-7 1 25 0,4-2 1 15,-4-1 21-15,6-4-4 0,-2-1 3 16,5 0-9-16,4 0 13 0,6-4 8 16,-3 0 16-16,6 0-25 0,0 0-21 15,0 0-3-15,6 2-14 0,0 4 14 16,3-1 15-16,4 2 37 0,2 5-13 16,-2 1-20-16,2 3-17 0,-2 1 0 15,-4 0 0-15,-3 5-2 0,-3-1 0 16,0 4-37-16,-3-3-30 0,0 4-39 15,-3 0-22-15,-6-1-6 0,9-3-4 16,-3-2-40-16,0-7-112 16,3-2-197-16,0-5-206 0,3-5-575 15,0-10-601-15</inkml:trace>
-  <inkml:trace contextRef="#ctx0" brushRef="#br0" timeOffset="162965.32">25618 13741 1114 0,'0'0'803'0,"0"0"-439"0,0 0-93 16,0 0-13-16,0 0-81 0,0 0 44 16,0 0 27-16,0 0-108 0,0 0-74 15,-59 62 38-15,16-20 66 0,-1 4-3 16,1 0-51-16,5-5-32 0,7-6-43 16,10-6-41-16,8-9-28 0,13-7-18 15,3-7-70-15,16-6 11 0,9-1 105 16,6-12 48-16,6-4-1 0,1-5-22 15,-1 0-7-15,-12 3-15 0,3 4 9 16,-16 6-10-16,-5 4 95 0,-10 5-7 16,0 5 101-16,-6 2-34 0,2 8-67 15,-5 0-66-15,6 2-24 16,3-5-46-16,6-4 6 0,13-6 40 16,3-2 68-16,2-6-19 0,1-6-23 15,-6-1-26-15,-13-3 0 0,-12 6 52 16,-16 2 19-16,-28 8-16 0,-27 18-43 15,-4 12 3-15,10 6 3 0,15-5-18 16,25-12-15-16,9-1-21 0,7-1-81 16,3-2-217-16,5-1-286 0,14-6-686 15,33-10-707-15</inkml:trace>
-  <inkml:trace contextRef="#ctx0" brushRef="#br0" timeOffset="163949.85">26613 13540 238 0,'0'0'2352'0,"0"0"-1956"16,0 0-150-16,0 0 136 0,0 0-70 15,0 0-105-15,0 0-129 0,0 0-78 16,0 0-56-16,0 0 3 0,-9 30 53 16,6-4 13-16,-7 14 46 0,-2 18 0 15,-10 14 3-15,-2 8 0 0,-1-1-9 16,0-6 0-16,0-13-1 0,7-10-28 15,2-12-24-15,4-9-49 0,2-5 21 16,-2-1 15-16,-1 2 11 0,1-1-16 16,3-10 5-16,3-6-5 0,2-4 18 15,1-4 18-15,0-9-18 0,0-8-12 16,0-7 0-16,3-11-4 0,0-2-15 16,0-8 31-16,0-2 19 0,3 1 30 15,0-4 29-15,0 2 30 0,4 0 3 16,-1 2 2-16,-3 1 7 15,6 6-25-15,0 0-7 0,1 7-2 16,5 1-32-16,-5 6-11 0,5 2-3 16,4 4-1-16,-4 4-3 0,4 3-2 15,-1 0-10-15,4 4-6 0,0 3 10 16,6 1 8-16,0 3-12 0,3 1 7 16,6 0-4-16,0 0-12 0,6 3-12 15,-2 3 9-15,-1 3-12 0,-3 3-2 16,1 0 2-16,-4 1 0 15,0 5-1-15,-3-1-2 0,-6 3-9 16,-7 0-6-16,-2 0-6 0,-4 2-1 16,-9-1 1-16,-3 3-15 0,-12 3-7 15,-4 1 25-15,-9 0 21 0,-6-2 2 16,-3-2 19-16,0-2-6 0,0-5 1 16,-3-3-1-16,9-2-3 0,0-7 3 15,6-2 0-15,4-2 3 0,5-1 10 16,1 0 5-16,6-2 9 0,3-1 25 15,3 3 8-15,0-4 43 0,0 4 3 16,0 0-52-16,0 0-63 0,3 0-6 16,0 0-51-16,6 8-3 0,4 3 36 15,2 7 18-15,4 4 11 0,2 6-2 16,1 4-9-16,0 4-1 0,-4 0-1 16,4 3 2-16,-6-2 0 0,2 0 0 15,-5-2 0-15,2-2-24 0,-6-4-43 16,4-1-60-16,-4-5-54 0,0-3-98 15,1-7-127-15,2-5-219 0,1-4-323 16,-4-4-207-16,6-12-641 0</inkml:trace>
+  <inkml:trace contextRef="#ctx0" brushRef="#br0" timeOffset="162965.31">25618 13741 1114 0,'0'0'803'0,"0"0"-439"0,0 0-93 16,0 0-13-16,0 0-81 0,0 0 44 16,0 0 27-16,0 0-108 0,0 0-74 15,-59 62 38-15,16-20 66 0,-1 4-3 16,1 0-51-16,5-5-32 0,7-6-43 16,10-6-41-16,8-9-28 0,13-7-18 15,3-7-70-15,16-6 11 0,9-1 105 16,6-12 48-16,6-4-1 0,1-5-22 15,-1 0-7-15,-12 3-15 0,3 4 9 16,-16 6-10-16,-5 4 95 0,-10 5-7 16,0 5 101-16,-6 2-34 0,2 8-67 15,-5 0-66-15,6 2-24 16,3-5-46-16,6-4 6 0,13-6 40 16,3-2 68-16,2-6-19 0,1-6-23 15,-6-1-26-15,-13-3 0 0,-12 6 52 16,-16 2 19-16,-28 8-16 0,-27 18-43 15,-4 12 3-15,10 6 3 0,15-5-18 16,25-12-15-16,9-1-21 0,7-1-81 16,3-2-217-16,5-1-286 0,14-6-686 15,33-10-707-15</inkml:trace>
+  <inkml:trace contextRef="#ctx0" brushRef="#br0" timeOffset="163949.84">26613 13540 238 0,'0'0'2352'0,"0"0"-1956"16,0 0-150-16,0 0 136 0,0 0-70 15,0 0-105-15,0 0-129 0,0 0-78 16,0 0-56-16,0 0 3 0,-9 30 53 16,6-4 13-16,-7 14 46 0,-2 18 0 15,-10 14 3-15,-2 8 0 0,-1-1-9 16,0-6 0-16,0-13-1 0,7-10-28 15,2-12-24-15,4-9-49 0,2-5 21 16,-2-1 15-16,-1 2 11 0,1-1-16 16,3-10 5-16,3-6-5 0,2-4 18 15,1-4 18-15,0-9-18 0,0-8-12 16,0-7 0-16,3-11-4 0,0-2-15 16,0-8 31-16,0-2 19 0,3 1 30 15,0-4 29-15,0 2 30 0,4 0 3 16,-1 2 2-16,-3 1 7 15,6 6-25-15,0 0-7 0,1 7-2 16,5 1-32-16,-5 6-11 0,5 2-3 16,4 4-1-16,-4 4-3 0,4 3-2 15,-1 0-10-15,4 4-6 0,0 3 10 16,6 1 8-16,0 3-12 0,3 1 7 16,6 0-4-16,0 0-12 0,6 3-12 15,-2 3 9-15,-1 3-12 0,-3 3-2 16,1 0 2-16,-4 1 0 15,0 5-1-15,-3-1-2 0,-6 3-9 16,-7 0-6-16,-2 0-6 0,-4 2-1 16,-9-1 1-16,-3 3-15 0,-12 3-7 15,-4 1 25-15,-9 0 21 0,-6-2 2 16,-3-2 19-16,0-2-6 0,0-5 1 16,-3-3-1-16,9-2-3 0,0-7 3 15,6-2 0-15,4-2 3 0,5-1 10 16,1 0 5-16,6-2 9 0,3-1 25 15,3 3 8-15,0-4 43 0,0 4 3 16,0 0-52-16,0 0-63 0,3 0-6 16,0 0-51-16,6 8-3 0,4 3 36 15,2 7 18-15,4 4 11 0,2 6-2 16,1 4-9-16,0 4-1 0,-4 0-1 16,4 3 2-16,-6-2 0 0,2 0 0 15,-5-2 0-15,2-2-24 0,-6-4-43 16,4-1-60-16,-4-5-54 0,0-3-98 15,1-7-127-15,2-5-219 0,1-4-323 16,-4-4-207-16,6-12-641 0</inkml:trace>
   <inkml:trace contextRef="#ctx0" brushRef="#br0" timeOffset="164598.46">27333 13573 355 0,'0'0'2185'0,"0"0"-1792"0,0 0-66 16,0 0-6-16,0 0-109 0,0 0-87 15,0 0 105-15,0 0-3 0,18 72-47 16,-15-39-48-16,0 13-9 0,-3 9-19 15,0 12-33-15,-3 2-28 0,0-10-22 16,0-16-3-16,3-15-2 16,-3-6-16-16,0 6-34 0,0 2 3 15,-3-1 4-15,-1-7 5 0,1-3-8 16,3-6 5-16,-3-8 11 0,3-1 14 16,0-8 31-16,-4-5-31 0,4-10-9 15,-3-8 9-15,3-5-16 0,-3-7 14 16,3-6 1-16,0 1 1 0,-1-4 22 15,4 0 2-15,0 3-6 0,0-1 22 16,0 5 18-16,0 4 15 0,4 6 71 16,2 4-2-16,0 9-26 0,0-3-25 15,0 10-16-15,4 1-17 0,-1 3-16 16,0 2-21-16,4 5-9 0,-4 0 1 16,3 0-12-16,4 0-1 15,3 4 1-15,-1 1-1 0,1 4-2 16,-1 2-2-16,4 5-8 0,3 0 0 15,0 3 0-15,-1 6-3 0,7 0 0 16,-3 7-6-16,0 3 3 0,0 3-3 16,0 0 2-16,0 2 16 0,0 2 1 15,-6-4-16-15,-1-1-12 0,-5-1-34 16,-4-3 31-16,-6-1 20 0,-6-5 13 16,-3 0 15-16,-12-2 21 0,-7 3 10 15,-9-2 2-15,-6-1-5 0,-7 0-19 16,-2 0-12-16,-1-5-9 0,-2-4 0 15,5-5-3-15,-2-5-12 0,6-6-24 16,2-2-7-16,7-11-2 0,0-3-49 16,10-9-43-16,5-5-57 0,10-1-149 15,6-6-355-15,0 7-700 0,22-19-910 16</inkml:trace>
   <inkml:trace contextRef="#ctx0" brushRef="#br0" timeOffset="165334.57">28039 13440 179 0,'0'0'2613'0,"0"0"-2196"0,0 0-118 16,0 0 4-16,0 0-76 0,0 0-36 16,0 0-64-16,19 58-6 0,-19-25-25 15,0 13-19-15,-6 12-6 0,-3 18-3 16,-4 2-25-16,1-4-13 0,-4-5-17 16,7-20 2-16,-3-9-3 15,2-11-12-15,1 1 0 0,-3-2-70 16,-1 5 5-16,1 2-6 0,-1-7-3 15,1-6-18-15,6-3-1 0,-4-9 0 16,7-3 15-16,0-7 78 0,3 0 44 16,-3-11 24-16,3-5-18 0,0-10 46 15,-3-3-50-15,3-8 6 0,0-11 10 16,-3-10-10-16,3 2 1 0,0 3-7 16,0 10 3-16,0 8-13 0,3-4 16 15,6-2 13-15,-2-1 29 0,2 4-2 16,6 5-4-16,-2 1 3 0,2 5-6 15,1 2 0-15,-1 5-9 16,4 3-16-16,-4 4-14 0,1 2-25 16,2 2-3-16,1 1-6 0,6 4-10 15,-3-1 1-15,2 3 0 0,1 0 12 16,3 2-15-16,-3 0 2 0,0 3-1 16,0 2 1-16,2-1-1 0,-5 5-1 15,6-1-3-15,-3 2-12 0,0 1-3 16,-1 5 6-16,1 1-3 0,0 3-3 15,0 2 6-15,-3 0 10 0,2 2-13 16,-5 4 12-16,3-1-10 0,-4 2 1 16,-2-1 0-16,-1 3 0 0,1 1 9 15,-7 2 0-15,0 4 2 0,-2-1 1 16,-7-2 1-16,0 2 13 0,-4 0-14 16,-8-2-21-16,-7 1 21 0,-8-4 30 15,-4-1 4-15,-4-5 11 16,-8-2 6-16,3-5-11 0,-7-3-19 15,4-6-21-15,-1-5-55 0,4-3-81 16,0-2-33-16,3-7-65 0,2-3-160 16,-2-6-364-16,16 5-711 0,-14-15-889 0</inkml:trace>
   <inkml:trace contextRef="#ctx0" brushRef="#br0" timeOffset="166134.04">26064 13173 1117 0,'0'0'1650'0,"0"0"-1329"0,0 0-126 15,0 0 94-15,0 0-20 0,0 0-27 16,0 0-64-16,0 0-69 0,53-35-50 16,-47 40-10-16,0 4 4 0,1 8 6 15,-1 7 15-15,0 21-16 0,-3 18-3 16,-3 27-36-16,-3 13-1 0,-9 10-15 15,-7-4 13-15,4-7-4 0,-4-4-12 16,-3-6-5-16,4-5 5 0,-1-11 30 16,0-5-30-16,1-7-43 0,-1-1 29 15,7-14 14-15,-1-11 0 0,4-10 0 16,3-7-1-16,0-3-1 0,3 1 0 16,-4-2 1-16,7-5 1 0,0-6 34 15,7-1 18-15,2-1 15 0,6 0 7 16,4-1 51-16,3 1-34 0,6 1-39 15,3-1-22-15,3 2-27 0,6 0 13 16,13-2-14-16,15 1 10 16,16-1-10-16,12-4 10 0,0 0-10 15,3-4 1-15,-6-5 0 0,3 1 9 16,4 0-9-16,-1-1-2 0,0 2 0 16,6 3-1-16,1-1 0 0,-4 1 11 15,0 3 2-15,1 1-1 0,-7 0 3 16,-3 1-12-16,-6-1 52 0,3 4 84 15,-10-4-6-15,-2 0-85 0,-19 0-17 16,-13 0-1-16,-18 0 21 0,-6 0-3 16,0-4 22-16,-1 3-1 0,-5 0-36 15,-7-2-22-15,-3 3-11 0,-6 0-24 16,0-3-54-16,-3 2-94 0,-6-7-106 16,0-5-227-16,-1 4-774 0,-2-20-978 0</inkml:trace>
@@ -4250,7 +4502,7 @@
             <a:fld id="{D200B3F0-A9BC-48CE-8EB6-ECE965069900}" type="datetimeFigureOut">
               <a:rPr lang="en-US" dirty="0"/>
               <a:pPr/>
-              <a:t>10/13/2020</a:t>
+              <a:t>10/15/2020</a:t>
             </a:fld>
             <a:endParaRPr lang="en-US" dirty="0"/>
           </a:p>
@@ -5411,7 +5663,7 @@
           <a:p>
             <a:fld id="{3DF9FFFF-3106-4DDB-AA62-0C80862170D6}" type="datetimeFigureOut">
               <a:rPr lang="en-US" dirty="0"/>
-              <a:t>10/13/2020</a:t>
+              <a:t>10/15/2020</a:t>
             </a:fld>
             <a:endParaRPr lang="en-US" dirty="0"/>
           </a:p>
@@ -6465,7 +6717,7 @@
           <a:p>
             <a:fld id="{A3DA38B7-AE95-4DC8-9A51-7A71F545B098}" type="datetimeFigureOut">
               <a:rPr lang="en-US" dirty="0"/>
-              <a:t>10/13/2020</a:t>
+              <a:t>10/15/2020</a:t>
             </a:fld>
             <a:endParaRPr lang="en-US" dirty="0"/>
           </a:p>
@@ -7678,7 +7930,7 @@
           <a:p>
             <a:fld id="{86F1EC2B-8188-4AC2-9F0D-8D09C51D505A}" type="datetimeFigureOut">
               <a:rPr lang="en-US" dirty="0"/>
-              <a:t>10/13/2020</a:t>
+              <a:t>10/15/2020</a:t>
             </a:fld>
             <a:endParaRPr lang="en-US" dirty="0"/>
           </a:p>
@@ -8782,7 +9034,7 @@
           <a:p>
             <a:fld id="{9212B75E-944F-430B-BE5F-C69FA8823C04}" type="datetimeFigureOut">
               <a:rPr lang="en-US" dirty="0"/>
-              <a:t>10/13/2020</a:t>
+              <a:t>10/15/2020</a:t>
             </a:fld>
             <a:endParaRPr lang="en-US" dirty="0"/>
           </a:p>
@@ -9434,7 +9686,7 @@
           <a:p>
             <a:fld id="{79AE0DC7-7F53-471C-A711-B3DA6F2535F3}" type="datetimeFigureOut">
               <a:rPr lang="en-US" dirty="0"/>
-              <a:t>10/13/2020</a:t>
+              <a:t>10/15/2020</a:t>
             </a:fld>
             <a:endParaRPr lang="en-US" dirty="0"/>
           </a:p>
@@ -10281,7 +10533,7 @@
           <a:p>
             <a:fld id="{3C1F4C9D-4618-451D-80C1-6A376BB42AB4}" type="datetimeFigureOut">
               <a:rPr lang="en-US" dirty="0"/>
-              <a:t>10/13/2020</a:t>
+              <a:t>10/15/2020</a:t>
             </a:fld>
             <a:endParaRPr lang="en-US" dirty="0"/>
           </a:p>
@@ -10466,7 +10718,7 @@
           <a:p>
             <a:fld id="{F54D2318-CE40-42F6-962A-4C6D6CF697DB}" type="datetimeFigureOut">
               <a:rPr lang="en-US" dirty="0"/>
-              <a:t>10/13/2020</a:t>
+              <a:t>10/15/2020</a:t>
             </a:fld>
             <a:endParaRPr lang="en-US" dirty="0"/>
           </a:p>
@@ -11507,7 +11759,7 @@
           <a:p>
             <a:fld id="{0C476AC1-EB7F-4BEF-90D9-5764B50DAF8A}" type="datetimeFigureOut">
               <a:rPr lang="en-US" dirty="0"/>
-              <a:t>10/13/2020</a:t>
+              <a:t>10/15/2020</a:t>
             </a:fld>
             <a:endParaRPr lang="en-US" dirty="0"/>
           </a:p>
@@ -11723,7 +11975,7 @@
           <a:p>
             <a:fld id="{1B20712A-F861-4AB0-A754-4F5A2033CD4B}" type="datetimeFigureOut">
               <a:rPr lang="en-US" dirty="0"/>
-              <a:t>10/13/2020</a:t>
+              <a:t>10/15/2020</a:t>
             </a:fld>
             <a:endParaRPr lang="en-US" dirty="0"/>
           </a:p>
@@ -12828,7 +13080,7 @@
           <a:p>
             <a:fld id="{324507B7-F2DC-4B2C-B14D-58A9766807A2}" type="datetimeFigureOut">
               <a:rPr lang="en-US" dirty="0"/>
-              <a:t>10/13/2020</a:t>
+              <a:t>10/15/2020</a:t>
             </a:fld>
             <a:endParaRPr lang="en-US" dirty="0"/>
           </a:p>
@@ -13100,7 +13352,7 @@
           <a:p>
             <a:fld id="{904A483D-5CB4-4842-8F2F-05D5276ACF63}" type="datetimeFigureOut">
               <a:rPr lang="en-US" dirty="0"/>
-              <a:t>10/13/2020</a:t>
+              <a:t>10/15/2020</a:t>
             </a:fld>
             <a:endParaRPr lang="en-US" dirty="0"/>
           </a:p>
@@ -13482,7 +13734,7 @@
           <a:p>
             <a:fld id="{1D1CE32E-9DC0-47C8-A657-48F5C3E4A10B}" type="datetimeFigureOut">
               <a:rPr lang="en-US" dirty="0"/>
-              <a:t>10/13/2020</a:t>
+              <a:t>10/15/2020</a:t>
             </a:fld>
             <a:endParaRPr lang="en-US" dirty="0"/>
           </a:p>
@@ -13600,7 +13852,7 @@
           <a:p>
             <a:fld id="{2BDF5C0D-8C3A-4771-A43D-83937FC700D4}" type="datetimeFigureOut">
               <a:rPr lang="en-US" dirty="0"/>
-              <a:t>10/13/2020</a:t>
+              <a:t>10/15/2020</a:t>
             </a:fld>
             <a:endParaRPr lang="en-US" dirty="0"/>
           </a:p>
@@ -13695,7 +13947,7 @@
           <a:p>
             <a:fld id="{0203D2D6-FCC2-425A-A4A7-8058E8C01CB1}" type="datetimeFigureOut">
               <a:rPr lang="en-US" dirty="0"/>
-              <a:t>10/13/2020</a:t>
+              <a:t>10/15/2020</a:t>
             </a:fld>
             <a:endParaRPr lang="en-US" dirty="0"/>
           </a:p>
@@ -14847,7 +15099,7 @@
           <a:p>
             <a:fld id="{D8CF2683-E6E7-4CC3-9EEE-7854DD4F3545}" type="datetimeFigureOut">
               <a:rPr lang="en-US" dirty="0"/>
-              <a:t>10/13/2020</a:t>
+              <a:t>10/15/2020</a:t>
             </a:fld>
             <a:endParaRPr lang="en-US" dirty="0"/>
           </a:p>
@@ -16023,7 +16275,7 @@
           <a:p>
             <a:fld id="{7E120F81-B39D-4CBB-8BF3-5D6E395D0F72}" type="datetimeFigureOut">
               <a:rPr lang="en-US" dirty="0"/>
-              <a:t>10/13/2020</a:t>
+              <a:t>10/15/2020</a:t>
             </a:fld>
             <a:endParaRPr lang="en-US" dirty="0"/>
           </a:p>
@@ -17133,7 +17385,7 @@
           <a:p>
             <a:fld id="{564B320A-89BA-47B2-A525-92E8D10B06E4}" type="datetimeFigureOut">
               <a:rPr lang="en-US" dirty="0"/>
-              <a:t>10/13/2020</a:t>
+              <a:t>10/15/2020</a:t>
             </a:fld>
             <a:endParaRPr lang="en-US" dirty="0"/>
           </a:p>
@@ -18395,8 +18647,8 @@
           </a:p>
         </p:txBody>
       </p:sp>
-      <mc:AlternateContent xmlns:mc="http://schemas.openxmlformats.org/markup-compatibility/2006">
-        <mc:Choice xmlns:p14="http://schemas.microsoft.com/office/powerpoint/2010/main" Requires="p14">
+      <mc:AlternateContent xmlns:mc="http://schemas.openxmlformats.org/markup-compatibility/2006" xmlns:p14="http://schemas.microsoft.com/office/powerpoint/2010/main">
+        <mc:Choice Requires="p14">
           <p:contentPart p14:bwMode="auto" r:id="rId2">
             <p14:nvContentPartPr>
               <p14:cNvPr id="3" name="Ink 2">
@@ -18415,7 +18667,7 @@
             </p14:xfrm>
           </p:contentPart>
         </mc:Choice>
-        <mc:Fallback>
+        <mc:Fallback xmlns="">
           <p:pic>
             <p:nvPicPr>
               <p:cNvPr id="3" name="Ink 2">
@@ -28840,6 +29092,15 @@
             <a:endParaRPr lang="en-US" dirty="0"/>
           </a:p>
           <a:p>
+            <a:r>
+              <a:rPr lang="en-US" dirty="0"/>
+              <a:t>De-couple data pipeline and I/O</a:t>
+            </a:r>
+          </a:p>
+          <a:p>
+            <a:endParaRPr lang="en-US" dirty="0"/>
+          </a:p>
+          <a:p>
             <a:endParaRPr lang="en-US" dirty="0"/>
           </a:p>
         </p:txBody>
@@ -29292,6 +29553,1219 @@
     <p:extLst>
       <p:ext uri="{BB962C8B-B14F-4D97-AF65-F5344CB8AC3E}">
         <p14:creationId xmlns:p14="http://schemas.microsoft.com/office/powerpoint/2010/main" val="3613395112"/>
+      </p:ext>
+    </p:extLst>
+  </p:cSld>
+  <p:clrMapOvr>
+    <a:masterClrMapping/>
+  </p:clrMapOvr>
+</p:sld>
+</file>
+
+<file path=ppt/slides/slide41.xml><?xml version="1.0" encoding="utf-8"?>
+<p:sld xmlns:a="http://schemas.openxmlformats.org/drawingml/2006/main" xmlns:r="http://schemas.openxmlformats.org/officeDocument/2006/relationships" xmlns:p="http://schemas.openxmlformats.org/presentationml/2006/main">
+  <p:cSld>
+    <p:spTree>
+      <p:nvGrpSpPr>
+        <p:cNvPr id="1" name=""/>
+        <p:cNvGrpSpPr/>
+        <p:nvPr/>
+      </p:nvGrpSpPr>
+      <p:grpSpPr>
+        <a:xfrm>
+          <a:off x="0" y="0"/>
+          <a:ext cx="0" cy="0"/>
+          <a:chOff x="0" y="0"/>
+          <a:chExt cx="0" cy="0"/>
+        </a:xfrm>
+      </p:grpSpPr>
+      <p:sp>
+        <p:nvSpPr>
+          <p:cNvPr id="2" name="Title 1">
+            <a:extLst>
+              <a:ext uri="{FF2B5EF4-FFF2-40B4-BE49-F238E27FC236}">
+                <a16:creationId xmlns:a16="http://schemas.microsoft.com/office/drawing/2014/main" id="{BA5A81CB-48E8-47DC-9F7D-54CEA8F431DD}"/>
+              </a:ext>
+            </a:extLst>
+          </p:cNvPr>
+          <p:cNvSpPr>
+            <a:spLocks noGrp="1"/>
+          </p:cNvSpPr>
+          <p:nvPr>
+            <p:ph type="title"/>
+          </p:nvPr>
+        </p:nvSpPr>
+        <p:spPr/>
+        <p:txBody>
+          <a:bodyPr/>
+          <a:lstStyle/>
+          <a:p>
+            <a:r>
+              <a:rPr lang="en-US" dirty="0"/>
+              <a:t>Optimizing Spark Jobs</a:t>
+            </a:r>
+          </a:p>
+        </p:txBody>
+      </p:sp>
+      <p:sp>
+        <p:nvSpPr>
+          <p:cNvPr id="3" name="Content Placeholder 2">
+            <a:extLst>
+              <a:ext uri="{FF2B5EF4-FFF2-40B4-BE49-F238E27FC236}">
+                <a16:creationId xmlns:a16="http://schemas.microsoft.com/office/drawing/2014/main" id="{6A66AC8A-86B1-48B8-B9FB-DAAD6E45B42A}"/>
+              </a:ext>
+            </a:extLst>
+          </p:cNvPr>
+          <p:cNvSpPr>
+            <a:spLocks noGrp="1"/>
+          </p:cNvSpPr>
+          <p:nvPr>
+            <p:ph idx="1"/>
+          </p:nvPr>
+        </p:nvSpPr>
+        <p:spPr/>
+        <p:txBody>
+          <a:bodyPr/>
+          <a:lstStyle/>
+          <a:p>
+            <a:r>
+              <a:rPr lang="en-US" dirty="0"/>
+              <a:t>Use PQ if you process the output further</a:t>
+            </a:r>
+          </a:p>
+          <a:p>
+            <a:endParaRPr lang="en-US" dirty="0"/>
+          </a:p>
+          <a:p>
+            <a:r>
+              <a:rPr lang="en-US" dirty="0"/>
+              <a:t>Tune the number of shuffling partitions </a:t>
+            </a:r>
+            <a:r>
+              <a:rPr lang="en-US" i="1" dirty="0"/>
+              <a:t>(</a:t>
+            </a:r>
+            <a:r>
+              <a:rPr lang="en-US" i="1" dirty="0" err="1"/>
+              <a:t>spark.sql.shuffle.partitions</a:t>
+            </a:r>
+            <a:r>
+              <a:rPr lang="en-US" i="1" dirty="0"/>
+              <a:t>)</a:t>
+            </a:r>
+          </a:p>
+          <a:p>
+            <a:endParaRPr lang="en-US" i="1" dirty="0"/>
+          </a:p>
+          <a:p>
+            <a:r>
+              <a:rPr lang="en-US" dirty="0"/>
+              <a:t>Tune the number of executors, executor memory size and executor core size</a:t>
+            </a:r>
+          </a:p>
+          <a:p>
+            <a:endParaRPr lang="en-US" dirty="0"/>
+          </a:p>
+          <a:p>
+            <a:endParaRPr lang="en-US" dirty="0"/>
+          </a:p>
+        </p:txBody>
+      </p:sp>
+    </p:spTree>
+    <p:extLst>
+      <p:ext uri="{BB962C8B-B14F-4D97-AF65-F5344CB8AC3E}">
+        <p14:creationId xmlns:p14="http://schemas.microsoft.com/office/powerpoint/2010/main" val="3425064665"/>
+      </p:ext>
+    </p:extLst>
+  </p:cSld>
+  <p:clrMapOvr>
+    <a:masterClrMapping/>
+  </p:clrMapOvr>
+</p:sld>
+</file>
+
+<file path=ppt/slides/slide42.xml><?xml version="1.0" encoding="utf-8"?>
+<p:sld xmlns:a="http://schemas.openxmlformats.org/drawingml/2006/main" xmlns:r="http://schemas.openxmlformats.org/officeDocument/2006/relationships" xmlns:p="http://schemas.openxmlformats.org/presentationml/2006/main">
+  <p:cSld>
+    <p:spTree>
+      <p:nvGrpSpPr>
+        <p:cNvPr id="1" name=""/>
+        <p:cNvGrpSpPr/>
+        <p:nvPr/>
+      </p:nvGrpSpPr>
+      <p:grpSpPr>
+        <a:xfrm>
+          <a:off x="0" y="0"/>
+          <a:ext cx="0" cy="0"/>
+          <a:chOff x="0" y="0"/>
+          <a:chExt cx="0" cy="0"/>
+        </a:xfrm>
+      </p:grpSpPr>
+      <p:sp>
+        <p:nvSpPr>
+          <p:cNvPr id="2" name="Title 1">
+            <a:extLst>
+              <a:ext uri="{FF2B5EF4-FFF2-40B4-BE49-F238E27FC236}">
+                <a16:creationId xmlns:a16="http://schemas.microsoft.com/office/drawing/2014/main" id="{C52B9D2B-D318-40A0-AF5C-527EDB15E078}"/>
+              </a:ext>
+            </a:extLst>
+          </p:cNvPr>
+          <p:cNvSpPr>
+            <a:spLocks noGrp="1"/>
+          </p:cNvSpPr>
+          <p:nvPr>
+            <p:ph type="title"/>
+          </p:nvPr>
+        </p:nvSpPr>
+        <p:spPr/>
+        <p:txBody>
+          <a:bodyPr/>
+          <a:lstStyle/>
+          <a:p>
+            <a:r>
+              <a:rPr lang="en-US" dirty="0"/>
+              <a:t>End-to-End Spark Based Data Pipeline</a:t>
+            </a:r>
+          </a:p>
+        </p:txBody>
+      </p:sp>
+      <p:sp>
+        <p:nvSpPr>
+          <p:cNvPr id="3" name="Text Placeholder 2">
+            <a:extLst>
+              <a:ext uri="{FF2B5EF4-FFF2-40B4-BE49-F238E27FC236}">
+                <a16:creationId xmlns:a16="http://schemas.microsoft.com/office/drawing/2014/main" id="{A70B60B4-C52F-44A1-9751-C686C5B87697}"/>
+              </a:ext>
+            </a:extLst>
+          </p:cNvPr>
+          <p:cNvSpPr>
+            <a:spLocks noGrp="1"/>
+          </p:cNvSpPr>
+          <p:nvPr>
+            <p:ph type="body" idx="1"/>
+          </p:nvPr>
+        </p:nvSpPr>
+        <p:spPr>
+          <a:xfrm>
+            <a:off x="6911057" y="1223589"/>
+            <a:ext cx="3757545" cy="5191931"/>
+          </a:xfrm>
+        </p:spPr>
+        <p:txBody>
+          <a:bodyPr>
+            <a:normAutofit/>
+          </a:bodyPr>
+          <a:lstStyle/>
+          <a:p>
+            <a:r>
+              <a:rPr lang="en-US" dirty="0"/>
+              <a:t>Goals:</a:t>
+            </a:r>
+          </a:p>
+          <a:p>
+            <a:pPr marL="342900" indent="-342900">
+              <a:buFontTx/>
+              <a:buChar char="-"/>
+            </a:pPr>
+            <a:r>
+              <a:rPr lang="en-US" dirty="0"/>
+              <a:t>Putting everything together what we learnt</a:t>
+            </a:r>
+          </a:p>
+          <a:p>
+            <a:pPr marL="342900" indent="-342900">
+              <a:buFontTx/>
+              <a:buChar char="-"/>
+            </a:pPr>
+            <a:r>
+              <a:rPr lang="en-US" dirty="0"/>
+              <a:t>Write a complex scalable data pipeline in spark which interacts multiple data sources and databases</a:t>
+            </a:r>
+          </a:p>
+          <a:p>
+            <a:pPr marL="342900" indent="-342900">
+              <a:buFontTx/>
+              <a:buChar char="-"/>
+            </a:pPr>
+            <a:r>
+              <a:rPr lang="en-US" dirty="0"/>
+              <a:t>Learn how to write production spark code with tests</a:t>
+            </a:r>
+          </a:p>
+          <a:p>
+            <a:pPr marL="342900" indent="-342900">
+              <a:buFontTx/>
+              <a:buChar char="-"/>
+            </a:pPr>
+            <a:r>
+              <a:rPr lang="en-US" dirty="0"/>
+              <a:t>How to optimize your job at scale</a:t>
+            </a:r>
+          </a:p>
+        </p:txBody>
+      </p:sp>
+    </p:spTree>
+    <p:extLst>
+      <p:ext uri="{BB962C8B-B14F-4D97-AF65-F5344CB8AC3E}">
+        <p14:creationId xmlns:p14="http://schemas.microsoft.com/office/powerpoint/2010/main" val="3389251076"/>
+      </p:ext>
+    </p:extLst>
+  </p:cSld>
+  <p:clrMapOvr>
+    <a:masterClrMapping/>
+  </p:clrMapOvr>
+</p:sld>
+</file>
+
+<file path=ppt/slides/slide43.xml><?xml version="1.0" encoding="utf-8"?>
+<p:sld xmlns:a="http://schemas.openxmlformats.org/drawingml/2006/main" xmlns:r="http://schemas.openxmlformats.org/officeDocument/2006/relationships" xmlns:p="http://schemas.openxmlformats.org/presentationml/2006/main">
+  <p:cSld>
+    <p:spTree>
+      <p:nvGrpSpPr>
+        <p:cNvPr id="1" name=""/>
+        <p:cNvGrpSpPr/>
+        <p:nvPr/>
+      </p:nvGrpSpPr>
+      <p:grpSpPr>
+        <a:xfrm>
+          <a:off x="0" y="0"/>
+          <a:ext cx="0" cy="0"/>
+          <a:chOff x="0" y="0"/>
+          <a:chExt cx="0" cy="0"/>
+        </a:xfrm>
+      </p:grpSpPr>
+      <p:sp>
+        <p:nvSpPr>
+          <p:cNvPr id="2" name="Title 1">
+            <a:extLst>
+              <a:ext uri="{FF2B5EF4-FFF2-40B4-BE49-F238E27FC236}">
+                <a16:creationId xmlns:a16="http://schemas.microsoft.com/office/drawing/2014/main" id="{9ECC3563-31E3-4E9E-BDF5-C782FFF4108C}"/>
+              </a:ext>
+            </a:extLst>
+          </p:cNvPr>
+          <p:cNvSpPr>
+            <a:spLocks noGrp="1"/>
+          </p:cNvSpPr>
+          <p:nvPr>
+            <p:ph type="title"/>
+          </p:nvPr>
+        </p:nvSpPr>
+        <p:spPr/>
+        <p:txBody>
+          <a:bodyPr/>
+          <a:lstStyle/>
+          <a:p>
+            <a:r>
+              <a:rPr lang="en-US" dirty="0"/>
+              <a:t>Task: Process Apache access log files</a:t>
+            </a:r>
+          </a:p>
+        </p:txBody>
+      </p:sp>
+      <p:sp>
+        <p:nvSpPr>
+          <p:cNvPr id="3" name="Content Placeholder 2">
+            <a:extLst>
+              <a:ext uri="{FF2B5EF4-FFF2-40B4-BE49-F238E27FC236}">
+                <a16:creationId xmlns:a16="http://schemas.microsoft.com/office/drawing/2014/main" id="{E6A12299-448E-43A1-9D4C-06217854F8A7}"/>
+              </a:ext>
+            </a:extLst>
+          </p:cNvPr>
+          <p:cNvSpPr>
+            <a:spLocks noGrp="1"/>
+          </p:cNvSpPr>
+          <p:nvPr>
+            <p:ph idx="1"/>
+          </p:nvPr>
+        </p:nvSpPr>
+        <p:spPr/>
+        <p:txBody>
+          <a:bodyPr>
+            <a:normAutofit fontScale="70000" lnSpcReduction="20000"/>
+          </a:bodyPr>
+          <a:lstStyle/>
+          <a:p>
+            <a:r>
+              <a:rPr lang="en-US" dirty="0"/>
+              <a:t>100s of GB Apace HTTP server </a:t>
+            </a:r>
+            <a:r>
+              <a:rPr lang="en-US" dirty="0" err="1"/>
+              <a:t>access.logs</a:t>
+            </a:r>
+            <a:r>
+              <a:rPr lang="en-US" dirty="0"/>
+              <a:t> generated every day</a:t>
+            </a:r>
+          </a:p>
+          <a:p>
+            <a:endParaRPr lang="en-US" dirty="0"/>
+          </a:p>
+          <a:p>
+            <a:r>
+              <a:rPr lang="en-US" dirty="0"/>
+              <a:t>You need to implement a horizontally scalable solution, when you can process the new log files each day</a:t>
+            </a:r>
+          </a:p>
+          <a:p>
+            <a:endParaRPr lang="en-US" dirty="0"/>
+          </a:p>
+          <a:p>
+            <a:r>
+              <a:rPr lang="en-US" dirty="0"/>
+              <a:t>The security team needs to get some basic statistics, like number of HTTP error codes per server or resource. This aggregated data need to be stored in a relational data warehouse as they need instant and quick access</a:t>
+            </a:r>
+          </a:p>
+          <a:p>
+            <a:endParaRPr lang="en-US" dirty="0"/>
+          </a:p>
+          <a:p>
+            <a:r>
+              <a:rPr lang="en-US" dirty="0"/>
+              <a:t>The sanitized and structured data needs to be stored on a Data Lake and can be queried via SQL in case an incident happens and needs the raw data for the investigation</a:t>
+            </a:r>
+          </a:p>
+          <a:p>
+            <a:endParaRPr lang="en-US" dirty="0"/>
+          </a:p>
+          <a:p>
+            <a:r>
+              <a:rPr lang="en-US" dirty="0"/>
+              <a:t>Some events also can trigger alarms. For example,  if in an hour window several specific error codes suddenly exceeds a pre-defined threshold, a notification needs to be raised</a:t>
+            </a:r>
+          </a:p>
+        </p:txBody>
+      </p:sp>
+    </p:spTree>
+    <p:extLst>
+      <p:ext uri="{BB962C8B-B14F-4D97-AF65-F5344CB8AC3E}">
+        <p14:creationId xmlns:p14="http://schemas.microsoft.com/office/powerpoint/2010/main" val="1224731036"/>
+      </p:ext>
+    </p:extLst>
+  </p:cSld>
+  <p:clrMapOvr>
+    <a:masterClrMapping/>
+  </p:clrMapOvr>
+</p:sld>
+</file>
+
+<file path=ppt/slides/slide44.xml><?xml version="1.0" encoding="utf-8"?>
+<p:sld xmlns:a="http://schemas.openxmlformats.org/drawingml/2006/main" xmlns:r="http://schemas.openxmlformats.org/officeDocument/2006/relationships" xmlns:p="http://schemas.openxmlformats.org/presentationml/2006/main">
+  <p:cSld>
+    <p:spTree>
+      <p:nvGrpSpPr>
+        <p:cNvPr id="1" name=""/>
+        <p:cNvGrpSpPr/>
+        <p:nvPr/>
+      </p:nvGrpSpPr>
+      <p:grpSpPr>
+        <a:xfrm>
+          <a:off x="0" y="0"/>
+          <a:ext cx="0" cy="0"/>
+          <a:chOff x="0" y="0"/>
+          <a:chExt cx="0" cy="0"/>
+        </a:xfrm>
+      </p:grpSpPr>
+      <p:sp>
+        <p:nvSpPr>
+          <p:cNvPr id="2" name="Title 1">
+            <a:extLst>
+              <a:ext uri="{FF2B5EF4-FFF2-40B4-BE49-F238E27FC236}">
+                <a16:creationId xmlns:a16="http://schemas.microsoft.com/office/drawing/2014/main" id="{6754A017-E74C-4F3C-B126-3119A6669C74}"/>
+              </a:ext>
+            </a:extLst>
+          </p:cNvPr>
+          <p:cNvSpPr>
+            <a:spLocks noGrp="1"/>
+          </p:cNvSpPr>
+          <p:nvPr>
+            <p:ph type="title"/>
+          </p:nvPr>
+        </p:nvSpPr>
+        <p:spPr/>
+        <p:txBody>
+          <a:bodyPr/>
+          <a:lstStyle/>
+          <a:p>
+            <a:r>
+              <a:rPr lang="en-US" dirty="0"/>
+              <a:t>Solution Outline</a:t>
+            </a:r>
+          </a:p>
+        </p:txBody>
+      </p:sp>
+      <p:sp>
+        <p:nvSpPr>
+          <p:cNvPr id="4" name="Rectangle 3">
+            <a:extLst>
+              <a:ext uri="{FF2B5EF4-FFF2-40B4-BE49-F238E27FC236}">
+                <a16:creationId xmlns:a16="http://schemas.microsoft.com/office/drawing/2014/main" id="{045280AB-F414-4093-A9F1-C3CAF27DBC46}"/>
+              </a:ext>
+            </a:extLst>
+          </p:cNvPr>
+          <p:cNvSpPr/>
+          <p:nvPr/>
+        </p:nvSpPr>
+        <p:spPr>
+          <a:xfrm>
+            <a:off x="440267" y="3644053"/>
+            <a:ext cx="1354666" cy="887306"/>
+          </a:xfrm>
+          <a:prstGeom prst="rect">
+            <a:avLst/>
+          </a:prstGeom>
+        </p:spPr>
+        <p:style>
+          <a:lnRef idx="2">
+            <a:schemeClr val="accent1">
+              <a:shade val="50000"/>
+            </a:schemeClr>
+          </a:lnRef>
+          <a:fillRef idx="1">
+            <a:schemeClr val="accent1"/>
+          </a:fillRef>
+          <a:effectRef idx="0">
+            <a:schemeClr val="accent1"/>
+          </a:effectRef>
+          <a:fontRef idx="minor">
+            <a:schemeClr val="lt1"/>
+          </a:fontRef>
+        </p:style>
+        <p:txBody>
+          <a:bodyPr rtlCol="0" anchor="ctr"/>
+          <a:lstStyle/>
+          <a:p>
+            <a:pPr algn="ctr"/>
+            <a:r>
+              <a:rPr lang="en-US" dirty="0"/>
+              <a:t>Input Folder</a:t>
+            </a:r>
+          </a:p>
+        </p:txBody>
+      </p:sp>
+      <p:sp>
+        <p:nvSpPr>
+          <p:cNvPr id="5" name="TextBox 4">
+            <a:extLst>
+              <a:ext uri="{FF2B5EF4-FFF2-40B4-BE49-F238E27FC236}">
+                <a16:creationId xmlns:a16="http://schemas.microsoft.com/office/drawing/2014/main" id="{02D53B5C-95B0-4463-BA6E-B8C9B25B4FD8}"/>
+              </a:ext>
+            </a:extLst>
+          </p:cNvPr>
+          <p:cNvSpPr txBox="1"/>
+          <p:nvPr/>
+        </p:nvSpPr>
+        <p:spPr>
+          <a:xfrm>
+            <a:off x="301514" y="4592320"/>
+            <a:ext cx="1584960" cy="646331"/>
+          </a:xfrm>
+          <a:prstGeom prst="rect">
+            <a:avLst/>
+          </a:prstGeom>
+          <a:noFill/>
+        </p:spPr>
+        <p:txBody>
+          <a:bodyPr wrap="square" rtlCol="0">
+            <a:spAutoFit/>
+          </a:bodyPr>
+          <a:lstStyle/>
+          <a:p>
+            <a:pPr algn="ctr"/>
+            <a:r>
+              <a:rPr lang="en-US" sz="1200" dirty="0"/>
+              <a:t>Daily data dumped into an S3 bucket</a:t>
+            </a:r>
+          </a:p>
+        </p:txBody>
+      </p:sp>
+      <p:sp>
+        <p:nvSpPr>
+          <p:cNvPr id="6" name="Rectangle 5">
+            <a:extLst>
+              <a:ext uri="{FF2B5EF4-FFF2-40B4-BE49-F238E27FC236}">
+                <a16:creationId xmlns:a16="http://schemas.microsoft.com/office/drawing/2014/main" id="{E73861AA-C3B7-45EC-B6C0-F53BA0D80D29}"/>
+              </a:ext>
+            </a:extLst>
+          </p:cNvPr>
+          <p:cNvSpPr/>
+          <p:nvPr/>
+        </p:nvSpPr>
+        <p:spPr>
+          <a:xfrm>
+            <a:off x="3161491" y="3084249"/>
+            <a:ext cx="6160739" cy="2562360"/>
+          </a:xfrm>
+          <a:prstGeom prst="rect">
+            <a:avLst/>
+          </a:prstGeom>
+          <a:solidFill>
+            <a:schemeClr val="accent2">
+              <a:alpha val="44000"/>
+            </a:schemeClr>
+          </a:solidFill>
+        </p:spPr>
+        <p:style>
+          <a:lnRef idx="2">
+            <a:schemeClr val="accent2">
+              <a:shade val="50000"/>
+            </a:schemeClr>
+          </a:lnRef>
+          <a:fillRef idx="1">
+            <a:schemeClr val="accent2"/>
+          </a:fillRef>
+          <a:effectRef idx="0">
+            <a:schemeClr val="accent2"/>
+          </a:effectRef>
+          <a:fontRef idx="minor">
+            <a:schemeClr val="lt1"/>
+          </a:fontRef>
+        </p:style>
+        <p:txBody>
+          <a:bodyPr rtlCol="0" anchor="b" anchorCtr="0"/>
+          <a:lstStyle/>
+          <a:p>
+            <a:pPr algn="ctr"/>
+            <a:r>
+              <a:rPr lang="en-US" dirty="0">
+                <a:solidFill>
+                  <a:schemeClr val="tx1"/>
+                </a:solidFill>
+              </a:rPr>
+              <a:t>Spark Based Data Processing Pipeline</a:t>
+            </a:r>
+          </a:p>
+        </p:txBody>
+      </p:sp>
+      <p:sp>
+        <p:nvSpPr>
+          <p:cNvPr id="7" name="Rectangle 6">
+            <a:extLst>
+              <a:ext uri="{FF2B5EF4-FFF2-40B4-BE49-F238E27FC236}">
+                <a16:creationId xmlns:a16="http://schemas.microsoft.com/office/drawing/2014/main" id="{B2612F36-F22C-4996-979F-B9DFD1A0E547}"/>
+              </a:ext>
+            </a:extLst>
+          </p:cNvPr>
+          <p:cNvSpPr/>
+          <p:nvPr/>
+        </p:nvSpPr>
+        <p:spPr>
+          <a:xfrm>
+            <a:off x="3479369" y="3814423"/>
+            <a:ext cx="1697064" cy="707292"/>
+          </a:xfrm>
+          <a:prstGeom prst="rect">
+            <a:avLst/>
+          </a:prstGeom>
+        </p:spPr>
+        <p:style>
+          <a:lnRef idx="2">
+            <a:schemeClr val="accent1">
+              <a:shade val="50000"/>
+            </a:schemeClr>
+          </a:lnRef>
+          <a:fillRef idx="1">
+            <a:schemeClr val="accent1"/>
+          </a:fillRef>
+          <a:effectRef idx="0">
+            <a:schemeClr val="accent1"/>
+          </a:effectRef>
+          <a:fontRef idx="minor">
+            <a:schemeClr val="lt1"/>
+          </a:fontRef>
+        </p:style>
+        <p:txBody>
+          <a:bodyPr rtlCol="0" anchor="ctr"/>
+          <a:lstStyle/>
+          <a:p>
+            <a:pPr algn="ctr"/>
+            <a:r>
+              <a:rPr lang="en-US" dirty="0"/>
+              <a:t>Extract and Transform</a:t>
+            </a:r>
+          </a:p>
+        </p:txBody>
+      </p:sp>
+      <p:sp>
+        <p:nvSpPr>
+          <p:cNvPr id="8" name="Flowchart: Magnetic Disk 7">
+            <a:extLst>
+              <a:ext uri="{FF2B5EF4-FFF2-40B4-BE49-F238E27FC236}">
+                <a16:creationId xmlns:a16="http://schemas.microsoft.com/office/drawing/2014/main" id="{CE75B074-8FB1-47D6-AE24-3C938BF817D4}"/>
+              </a:ext>
+            </a:extLst>
+          </p:cNvPr>
+          <p:cNvSpPr/>
+          <p:nvPr/>
+        </p:nvSpPr>
+        <p:spPr>
+          <a:xfrm>
+            <a:off x="1794933" y="5707570"/>
+            <a:ext cx="1375919" cy="916923"/>
+          </a:xfrm>
+          <a:prstGeom prst="flowChartMagneticDisk">
+            <a:avLst/>
+          </a:prstGeom>
+        </p:spPr>
+        <p:style>
+          <a:lnRef idx="2">
+            <a:schemeClr val="accent1">
+              <a:shade val="50000"/>
+            </a:schemeClr>
+          </a:lnRef>
+          <a:fillRef idx="1">
+            <a:schemeClr val="accent1"/>
+          </a:fillRef>
+          <a:effectRef idx="0">
+            <a:schemeClr val="accent1"/>
+          </a:effectRef>
+          <a:fontRef idx="minor">
+            <a:schemeClr val="lt1"/>
+          </a:fontRef>
+        </p:style>
+        <p:txBody>
+          <a:bodyPr rtlCol="0" anchor="ctr"/>
+          <a:lstStyle/>
+          <a:p>
+            <a:pPr algn="ctr"/>
+            <a:r>
+              <a:rPr lang="en-US" dirty="0" err="1"/>
+              <a:t>Datalake</a:t>
+            </a:r>
+            <a:endParaRPr lang="en-US" dirty="0"/>
+          </a:p>
+        </p:txBody>
+      </p:sp>
+      <p:cxnSp>
+        <p:nvCxnSpPr>
+          <p:cNvPr id="10" name="Straight Arrow Connector 9">
+            <a:extLst>
+              <a:ext uri="{FF2B5EF4-FFF2-40B4-BE49-F238E27FC236}">
+                <a16:creationId xmlns:a16="http://schemas.microsoft.com/office/drawing/2014/main" id="{E3CD6468-4183-41AA-A578-A438CFADE55F}"/>
+              </a:ext>
+            </a:extLst>
+          </p:cNvPr>
+          <p:cNvCxnSpPr>
+            <a:stCxn id="7" idx="2"/>
+            <a:endCxn id="8" idx="1"/>
+          </p:cNvCxnSpPr>
+          <p:nvPr/>
+        </p:nvCxnSpPr>
+        <p:spPr>
+          <a:xfrm flipH="1">
+            <a:off x="2482893" y="4521715"/>
+            <a:ext cx="1845008" cy="1185855"/>
+          </a:xfrm>
+          <a:prstGeom prst="straightConnector1">
+            <a:avLst/>
+          </a:prstGeom>
+          <a:ln>
+            <a:tailEnd type="triangle"/>
+          </a:ln>
+        </p:spPr>
+        <p:style>
+          <a:lnRef idx="1">
+            <a:schemeClr val="dk1"/>
+          </a:lnRef>
+          <a:fillRef idx="0">
+            <a:schemeClr val="dk1"/>
+          </a:fillRef>
+          <a:effectRef idx="0">
+            <a:schemeClr val="dk1"/>
+          </a:effectRef>
+          <a:fontRef idx="minor">
+            <a:schemeClr val="tx1"/>
+          </a:fontRef>
+        </p:style>
+      </p:cxnSp>
+      <p:sp>
+        <p:nvSpPr>
+          <p:cNvPr id="11" name="Rectangle 10">
+            <a:extLst>
+              <a:ext uri="{FF2B5EF4-FFF2-40B4-BE49-F238E27FC236}">
+                <a16:creationId xmlns:a16="http://schemas.microsoft.com/office/drawing/2014/main" id="{97FA998C-1874-44FE-B5C0-1693CB43C831}"/>
+              </a:ext>
+            </a:extLst>
+          </p:cNvPr>
+          <p:cNvSpPr/>
+          <p:nvPr/>
+        </p:nvSpPr>
+        <p:spPr>
+          <a:xfrm>
+            <a:off x="684720" y="5737534"/>
+            <a:ext cx="1029927" cy="916923"/>
+          </a:xfrm>
+          <a:prstGeom prst="rect">
+            <a:avLst/>
+          </a:prstGeom>
+        </p:spPr>
+        <p:style>
+          <a:lnRef idx="2">
+            <a:schemeClr val="accent4">
+              <a:shade val="50000"/>
+            </a:schemeClr>
+          </a:lnRef>
+          <a:fillRef idx="1">
+            <a:schemeClr val="accent4"/>
+          </a:fillRef>
+          <a:effectRef idx="0">
+            <a:schemeClr val="accent4"/>
+          </a:effectRef>
+          <a:fontRef idx="minor">
+            <a:schemeClr val="lt1"/>
+          </a:fontRef>
+        </p:style>
+        <p:txBody>
+          <a:bodyPr rtlCol="0" anchor="ctr"/>
+          <a:lstStyle/>
+          <a:p>
+            <a:pPr algn="ctr"/>
+            <a:r>
+              <a:rPr lang="en-US" dirty="0"/>
+              <a:t>MPP Query Engine</a:t>
+            </a:r>
+          </a:p>
+        </p:txBody>
+      </p:sp>
+      <p:cxnSp>
+        <p:nvCxnSpPr>
+          <p:cNvPr id="13" name="Straight Arrow Connector 12">
+            <a:extLst>
+              <a:ext uri="{FF2B5EF4-FFF2-40B4-BE49-F238E27FC236}">
+                <a16:creationId xmlns:a16="http://schemas.microsoft.com/office/drawing/2014/main" id="{C24CF910-6424-4E38-BF04-597534D0EAC1}"/>
+              </a:ext>
+            </a:extLst>
+          </p:cNvPr>
+          <p:cNvCxnSpPr>
+            <a:stCxn id="4" idx="3"/>
+          </p:cNvCxnSpPr>
+          <p:nvPr/>
+        </p:nvCxnSpPr>
+        <p:spPr>
+          <a:xfrm>
+            <a:off x="1794933" y="4087706"/>
+            <a:ext cx="1610464" cy="0"/>
+          </a:xfrm>
+          <a:prstGeom prst="straightConnector1">
+            <a:avLst/>
+          </a:prstGeom>
+          <a:ln>
+            <a:tailEnd type="triangle"/>
+          </a:ln>
+        </p:spPr>
+        <p:style>
+          <a:lnRef idx="1">
+            <a:schemeClr val="dk1"/>
+          </a:lnRef>
+          <a:fillRef idx="0">
+            <a:schemeClr val="dk1"/>
+          </a:fillRef>
+          <a:effectRef idx="0">
+            <a:schemeClr val="dk1"/>
+          </a:effectRef>
+          <a:fontRef idx="minor">
+            <a:schemeClr val="tx1"/>
+          </a:fontRef>
+        </p:style>
+      </p:cxnSp>
+      <p:sp>
+        <p:nvSpPr>
+          <p:cNvPr id="14" name="TextBox 13">
+            <a:extLst>
+              <a:ext uri="{FF2B5EF4-FFF2-40B4-BE49-F238E27FC236}">
+                <a16:creationId xmlns:a16="http://schemas.microsoft.com/office/drawing/2014/main" id="{3D1694B0-4F9E-4B79-B580-C31F8C954E91}"/>
+              </a:ext>
+            </a:extLst>
+          </p:cNvPr>
+          <p:cNvSpPr txBox="1"/>
+          <p:nvPr/>
+        </p:nvSpPr>
+        <p:spPr>
+          <a:xfrm>
+            <a:off x="2179012" y="3722490"/>
+            <a:ext cx="1286360" cy="369332"/>
+          </a:xfrm>
+          <a:prstGeom prst="rect">
+            <a:avLst/>
+          </a:prstGeom>
+          <a:noFill/>
+        </p:spPr>
+        <p:txBody>
+          <a:bodyPr wrap="square" rtlCol="0">
+            <a:spAutoFit/>
+          </a:bodyPr>
+          <a:lstStyle/>
+          <a:p>
+            <a:r>
+              <a:rPr lang="en-US" dirty="0"/>
+              <a:t>Trigger</a:t>
+            </a:r>
+          </a:p>
+        </p:txBody>
+      </p:sp>
+      <p:sp>
+        <p:nvSpPr>
+          <p:cNvPr id="16" name="Rectangle 15">
+            <a:extLst>
+              <a:ext uri="{FF2B5EF4-FFF2-40B4-BE49-F238E27FC236}">
+                <a16:creationId xmlns:a16="http://schemas.microsoft.com/office/drawing/2014/main" id="{E3D6E8E9-04D4-403F-B410-D559DE6EFED1}"/>
+              </a:ext>
+            </a:extLst>
+          </p:cNvPr>
+          <p:cNvSpPr/>
+          <p:nvPr/>
+        </p:nvSpPr>
+        <p:spPr>
+          <a:xfrm>
+            <a:off x="7173132" y="4521715"/>
+            <a:ext cx="1697064" cy="707292"/>
+          </a:xfrm>
+          <a:prstGeom prst="rect">
+            <a:avLst/>
+          </a:prstGeom>
+        </p:spPr>
+        <p:style>
+          <a:lnRef idx="2">
+            <a:schemeClr val="accent1">
+              <a:shade val="50000"/>
+            </a:schemeClr>
+          </a:lnRef>
+          <a:fillRef idx="1">
+            <a:schemeClr val="accent1"/>
+          </a:fillRef>
+          <a:effectRef idx="0">
+            <a:schemeClr val="accent1"/>
+          </a:effectRef>
+          <a:fontRef idx="minor">
+            <a:schemeClr val="lt1"/>
+          </a:fontRef>
+        </p:style>
+        <p:txBody>
+          <a:bodyPr rtlCol="0" anchor="ctr"/>
+          <a:lstStyle/>
+          <a:p>
+            <a:pPr algn="ctr"/>
+            <a:r>
+              <a:rPr lang="en-US" dirty="0"/>
+              <a:t>Aggregate and Load</a:t>
+            </a:r>
+          </a:p>
+        </p:txBody>
+      </p:sp>
+      <p:cxnSp>
+        <p:nvCxnSpPr>
+          <p:cNvPr id="18" name="Straight Arrow Connector 17">
+            <a:extLst>
+              <a:ext uri="{FF2B5EF4-FFF2-40B4-BE49-F238E27FC236}">
+                <a16:creationId xmlns:a16="http://schemas.microsoft.com/office/drawing/2014/main" id="{254F7298-BA10-4839-9E3B-6469A2AC68B0}"/>
+              </a:ext>
+            </a:extLst>
+          </p:cNvPr>
+          <p:cNvCxnSpPr>
+            <a:stCxn id="7" idx="3"/>
+            <a:endCxn id="16" idx="1"/>
+          </p:cNvCxnSpPr>
+          <p:nvPr/>
+        </p:nvCxnSpPr>
+        <p:spPr>
+          <a:xfrm>
+            <a:off x="5176433" y="4168069"/>
+            <a:ext cx="1996699" cy="707292"/>
+          </a:xfrm>
+          <a:prstGeom prst="straightConnector1">
+            <a:avLst/>
+          </a:prstGeom>
+          <a:ln>
+            <a:tailEnd type="triangle"/>
+          </a:ln>
+        </p:spPr>
+        <p:style>
+          <a:lnRef idx="1">
+            <a:schemeClr val="dk1"/>
+          </a:lnRef>
+          <a:fillRef idx="0">
+            <a:schemeClr val="dk1"/>
+          </a:fillRef>
+          <a:effectRef idx="0">
+            <a:schemeClr val="dk1"/>
+          </a:effectRef>
+          <a:fontRef idx="minor">
+            <a:schemeClr val="tx1"/>
+          </a:fontRef>
+        </p:style>
+      </p:cxnSp>
+      <p:sp>
+        <p:nvSpPr>
+          <p:cNvPr id="20" name="Rectangle 19">
+            <a:extLst>
+              <a:ext uri="{FF2B5EF4-FFF2-40B4-BE49-F238E27FC236}">
+                <a16:creationId xmlns:a16="http://schemas.microsoft.com/office/drawing/2014/main" id="{D3FD8BFF-8D7F-4FCB-9180-017D42A4C3F9}"/>
+              </a:ext>
+            </a:extLst>
+          </p:cNvPr>
+          <p:cNvSpPr/>
+          <p:nvPr/>
+        </p:nvSpPr>
+        <p:spPr>
+          <a:xfrm>
+            <a:off x="7173132" y="3283954"/>
+            <a:ext cx="1697064" cy="707292"/>
+          </a:xfrm>
+          <a:prstGeom prst="rect">
+            <a:avLst/>
+          </a:prstGeom>
+        </p:spPr>
+        <p:style>
+          <a:lnRef idx="2">
+            <a:schemeClr val="accent1">
+              <a:shade val="50000"/>
+            </a:schemeClr>
+          </a:lnRef>
+          <a:fillRef idx="1">
+            <a:schemeClr val="accent1"/>
+          </a:fillRef>
+          <a:effectRef idx="0">
+            <a:schemeClr val="accent1"/>
+          </a:effectRef>
+          <a:fontRef idx="minor">
+            <a:schemeClr val="lt1"/>
+          </a:fontRef>
+        </p:style>
+        <p:txBody>
+          <a:bodyPr rtlCol="0" anchor="ctr"/>
+          <a:lstStyle/>
+          <a:p>
+            <a:pPr algn="ctr"/>
+            <a:r>
+              <a:rPr lang="en-US" dirty="0"/>
+              <a:t>“Calculate” Alarms</a:t>
+            </a:r>
+          </a:p>
+        </p:txBody>
+      </p:sp>
+      <p:cxnSp>
+        <p:nvCxnSpPr>
+          <p:cNvPr id="22" name="Straight Arrow Connector 21">
+            <a:extLst>
+              <a:ext uri="{FF2B5EF4-FFF2-40B4-BE49-F238E27FC236}">
+                <a16:creationId xmlns:a16="http://schemas.microsoft.com/office/drawing/2014/main" id="{1C852BC6-0492-4CA6-A2E0-061D46C97592}"/>
+              </a:ext>
+            </a:extLst>
+          </p:cNvPr>
+          <p:cNvCxnSpPr/>
+          <p:nvPr/>
+        </p:nvCxnSpPr>
+        <p:spPr>
+          <a:xfrm flipV="1">
+            <a:off x="5190430" y="3644053"/>
+            <a:ext cx="1982702" cy="524016"/>
+          </a:xfrm>
+          <a:prstGeom prst="straightConnector1">
+            <a:avLst/>
+          </a:prstGeom>
+          <a:ln>
+            <a:tailEnd type="triangle"/>
+          </a:ln>
+        </p:spPr>
+        <p:style>
+          <a:lnRef idx="1">
+            <a:schemeClr val="dk1"/>
+          </a:lnRef>
+          <a:fillRef idx="0">
+            <a:schemeClr val="dk1"/>
+          </a:fillRef>
+          <a:effectRef idx="0">
+            <a:schemeClr val="dk1"/>
+          </a:effectRef>
+          <a:fontRef idx="minor">
+            <a:schemeClr val="tx1"/>
+          </a:fontRef>
+        </p:style>
+      </p:cxnSp>
+      <p:sp>
+        <p:nvSpPr>
+          <p:cNvPr id="26" name="Flowchart: Magnetic Disk 25">
+            <a:extLst>
+              <a:ext uri="{FF2B5EF4-FFF2-40B4-BE49-F238E27FC236}">
+                <a16:creationId xmlns:a16="http://schemas.microsoft.com/office/drawing/2014/main" id="{5C1629D6-C17A-4926-8A2D-6FCD71BC704B}"/>
+              </a:ext>
+            </a:extLst>
+          </p:cNvPr>
+          <p:cNvSpPr/>
+          <p:nvPr/>
+        </p:nvSpPr>
+        <p:spPr>
+          <a:xfrm>
+            <a:off x="9941115" y="5646609"/>
+            <a:ext cx="1375919" cy="916923"/>
+          </a:xfrm>
+          <a:prstGeom prst="flowChartMagneticDisk">
+            <a:avLst/>
+          </a:prstGeom>
+        </p:spPr>
+        <p:style>
+          <a:lnRef idx="2">
+            <a:schemeClr val="accent1">
+              <a:shade val="50000"/>
+            </a:schemeClr>
+          </a:lnRef>
+          <a:fillRef idx="1">
+            <a:schemeClr val="accent1"/>
+          </a:fillRef>
+          <a:effectRef idx="0">
+            <a:schemeClr val="accent1"/>
+          </a:effectRef>
+          <a:fontRef idx="minor">
+            <a:schemeClr val="lt1"/>
+          </a:fontRef>
+        </p:style>
+        <p:txBody>
+          <a:bodyPr rtlCol="0" anchor="ctr"/>
+          <a:lstStyle/>
+          <a:p>
+            <a:pPr algn="ctr"/>
+            <a:r>
+              <a:rPr lang="en-US" dirty="0"/>
+              <a:t>DWH</a:t>
+            </a:r>
+          </a:p>
+        </p:txBody>
+      </p:sp>
+      <p:cxnSp>
+        <p:nvCxnSpPr>
+          <p:cNvPr id="28" name="Straight Arrow Connector 27">
+            <a:extLst>
+              <a:ext uri="{FF2B5EF4-FFF2-40B4-BE49-F238E27FC236}">
+                <a16:creationId xmlns:a16="http://schemas.microsoft.com/office/drawing/2014/main" id="{0B29A5E7-2387-48B2-8ED3-E5C6CC55DE52}"/>
+              </a:ext>
+            </a:extLst>
+          </p:cNvPr>
+          <p:cNvCxnSpPr>
+            <a:stCxn id="16" idx="3"/>
+          </p:cNvCxnSpPr>
+          <p:nvPr/>
+        </p:nvCxnSpPr>
+        <p:spPr>
+          <a:xfrm>
+            <a:off x="8870196" y="4875361"/>
+            <a:ext cx="1046171" cy="1229709"/>
+          </a:xfrm>
+          <a:prstGeom prst="straightConnector1">
+            <a:avLst/>
+          </a:prstGeom>
+          <a:ln>
+            <a:tailEnd type="triangle"/>
+          </a:ln>
+        </p:spPr>
+        <p:style>
+          <a:lnRef idx="1">
+            <a:schemeClr val="dk1"/>
+          </a:lnRef>
+          <a:fillRef idx="0">
+            <a:schemeClr val="dk1"/>
+          </a:fillRef>
+          <a:effectRef idx="0">
+            <a:schemeClr val="dk1"/>
+          </a:effectRef>
+          <a:fontRef idx="minor">
+            <a:schemeClr val="tx1"/>
+          </a:fontRef>
+        </p:style>
+      </p:cxnSp>
+      <p:sp>
+        <p:nvSpPr>
+          <p:cNvPr id="29" name="Rectangle 28">
+            <a:extLst>
+              <a:ext uri="{FF2B5EF4-FFF2-40B4-BE49-F238E27FC236}">
+                <a16:creationId xmlns:a16="http://schemas.microsoft.com/office/drawing/2014/main" id="{A6FC7AFA-4C15-41EA-9B5A-8C37B122DF9C}"/>
+              </a:ext>
+            </a:extLst>
+          </p:cNvPr>
+          <p:cNvSpPr/>
+          <p:nvPr/>
+        </p:nvSpPr>
+        <p:spPr>
+          <a:xfrm>
+            <a:off x="10304710" y="3177152"/>
+            <a:ext cx="1652232" cy="1193369"/>
+          </a:xfrm>
+          <a:prstGeom prst="rect">
+            <a:avLst/>
+          </a:prstGeom>
+        </p:spPr>
+        <p:style>
+          <a:lnRef idx="2">
+            <a:schemeClr val="accent1">
+              <a:shade val="50000"/>
+            </a:schemeClr>
+          </a:lnRef>
+          <a:fillRef idx="1">
+            <a:schemeClr val="accent1"/>
+          </a:fillRef>
+          <a:effectRef idx="0">
+            <a:schemeClr val="accent1"/>
+          </a:effectRef>
+          <a:fontRef idx="minor">
+            <a:schemeClr val="lt1"/>
+          </a:fontRef>
+        </p:style>
+        <p:txBody>
+          <a:bodyPr rtlCol="0" anchor="ctr"/>
+          <a:lstStyle/>
+          <a:p>
+            <a:pPr algn="ctr"/>
+            <a:r>
+              <a:rPr lang="en-US" dirty="0"/>
+              <a:t>Notification Service</a:t>
+            </a:r>
+          </a:p>
+        </p:txBody>
+      </p:sp>
+      <p:cxnSp>
+        <p:nvCxnSpPr>
+          <p:cNvPr id="31" name="Straight Arrow Connector 30">
+            <a:extLst>
+              <a:ext uri="{FF2B5EF4-FFF2-40B4-BE49-F238E27FC236}">
+                <a16:creationId xmlns:a16="http://schemas.microsoft.com/office/drawing/2014/main" id="{8C1C0514-FC20-4ACB-A220-09371C10C9ED}"/>
+              </a:ext>
+            </a:extLst>
+          </p:cNvPr>
+          <p:cNvCxnSpPr>
+            <a:stCxn id="20" idx="3"/>
+          </p:cNvCxnSpPr>
+          <p:nvPr/>
+        </p:nvCxnSpPr>
+        <p:spPr>
+          <a:xfrm>
+            <a:off x="8870196" y="3637600"/>
+            <a:ext cx="1374184" cy="84890"/>
+          </a:xfrm>
+          <a:prstGeom prst="straightConnector1">
+            <a:avLst/>
+          </a:prstGeom>
+          <a:ln>
+            <a:tailEnd type="triangle"/>
+          </a:ln>
+        </p:spPr>
+        <p:style>
+          <a:lnRef idx="1">
+            <a:schemeClr val="dk1"/>
+          </a:lnRef>
+          <a:fillRef idx="0">
+            <a:schemeClr val="dk1"/>
+          </a:fillRef>
+          <a:effectRef idx="0">
+            <a:schemeClr val="dk1"/>
+          </a:effectRef>
+          <a:fontRef idx="minor">
+            <a:schemeClr val="tx1"/>
+          </a:fontRef>
+        </p:style>
+      </p:cxnSp>
+    </p:spTree>
+    <p:extLst>
+      <p:ext uri="{BB962C8B-B14F-4D97-AF65-F5344CB8AC3E}">
+        <p14:creationId xmlns:p14="http://schemas.microsoft.com/office/powerpoint/2010/main" val="108610386"/>
       </p:ext>
     </p:extLst>
   </p:cSld>
@@ -29811,8 +31285,8 @@
           </a:p>
         </p:txBody>
       </p:sp>
-      <mc:AlternateContent xmlns:mc="http://schemas.openxmlformats.org/markup-compatibility/2006">
-        <mc:Choice xmlns:p14="http://schemas.microsoft.com/office/powerpoint/2010/main" Requires="p14">
+      <mc:AlternateContent xmlns:mc="http://schemas.openxmlformats.org/markup-compatibility/2006" xmlns:p14="http://schemas.microsoft.com/office/powerpoint/2010/main">
+        <mc:Choice Requires="p14">
           <p:contentPart p14:bwMode="auto" r:id="rId2">
             <p14:nvContentPartPr>
               <p14:cNvPr id="5" name="Ink 4">
@@ -29831,7 +31305,7 @@
             </p14:xfrm>
           </p:contentPart>
         </mc:Choice>
-        <mc:Fallback>
+        <mc:Fallback xmlns="">
           <p:pic>
             <p:nvPicPr>
               <p:cNvPr id="5" name="Ink 4">
@@ -30108,8 +31582,8 @@
           </a:p>
         </p:txBody>
       </p:sp>
-      <mc:AlternateContent xmlns:mc="http://schemas.openxmlformats.org/markup-compatibility/2006">
-        <mc:Choice xmlns:p14="http://schemas.microsoft.com/office/powerpoint/2010/main" Requires="p14">
+      <mc:AlternateContent xmlns:mc="http://schemas.openxmlformats.org/markup-compatibility/2006" xmlns:p14="http://schemas.microsoft.com/office/powerpoint/2010/main">
+        <mc:Choice Requires="p14">
           <p:contentPart p14:bwMode="auto" r:id="rId2">
             <p14:nvContentPartPr>
               <p14:cNvPr id="4" name="Ink 3">
@@ -30128,7 +31602,7 @@
             </p14:xfrm>
           </p:contentPart>
         </mc:Choice>
-        <mc:Fallback>
+        <mc:Fallback xmlns="">
           <p:pic>
             <p:nvPicPr>
               <p:cNvPr id="4" name="Ink 3">
@@ -31371,8 +32845,8 @@
           </a:p>
         </p:txBody>
       </p:sp>
-      <mc:AlternateContent xmlns:mc="http://schemas.openxmlformats.org/markup-compatibility/2006">
-        <mc:Choice xmlns:p14="http://schemas.microsoft.com/office/powerpoint/2010/main" Requires="p14">
+      <mc:AlternateContent xmlns:mc="http://schemas.openxmlformats.org/markup-compatibility/2006" xmlns:p14="http://schemas.microsoft.com/office/powerpoint/2010/main">
+        <mc:Choice Requires="p14">
           <p:contentPart p14:bwMode="auto" r:id="rId2">
             <p14:nvContentPartPr>
               <p14:cNvPr id="3" name="Ink 2">
@@ -31391,7 +32865,7 @@
             </p14:xfrm>
           </p:contentPart>
         </mc:Choice>
-        <mc:Fallback>
+        <mc:Fallback xmlns="">
           <p:pic>
             <p:nvPicPr>
               <p:cNvPr id="3" name="Ink 2">
@@ -32963,8 +34437,8 @@
           </a:fontRef>
         </p:style>
       </p:cxnSp>
-      <mc:AlternateContent xmlns:mc="http://schemas.openxmlformats.org/markup-compatibility/2006">
-        <mc:Choice xmlns:p14="http://schemas.microsoft.com/office/powerpoint/2010/main" Requires="p14">
+      <mc:AlternateContent xmlns:mc="http://schemas.openxmlformats.org/markup-compatibility/2006" xmlns:p14="http://schemas.microsoft.com/office/powerpoint/2010/main">
+        <mc:Choice Requires="p14">
           <p:contentPart p14:bwMode="auto" r:id="rId2">
             <p14:nvContentPartPr>
               <p14:cNvPr id="3" name="Ink 2">
@@ -32983,7 +34457,7 @@
             </p14:xfrm>
           </p:contentPart>
         </mc:Choice>
-        <mc:Fallback>
+        <mc:Fallback xmlns="">
           <p:pic>
             <p:nvPicPr>
               <p:cNvPr id="3" name="Ink 2">

--- a/slides/Introduction to Apache Spark.pptx
+++ b/slides/Introduction to Apache Spark.pptx
@@ -242,7 +242,7 @@
 <file path=ppt/revisionInfo.xml><?xml version="1.0" encoding="utf-8"?>
 <p1510:revInfo xmlns:a="http://schemas.openxmlformats.org/drawingml/2006/main" xmlns:r="http://schemas.openxmlformats.org/officeDocument/2006/relationships" xmlns:p1510="http://schemas.microsoft.com/office/powerpoint/2015/10/main">
   <p1510:revLst>
-    <p1510:client id="{85E3E36A-92D7-4D2E-814A-364BE6DE2E74}" v="60" dt="2020-10-15T13:52:53.978"/>
+    <p1510:client id="{85E3E36A-92D7-4D2E-814A-364BE6DE2E74}" v="61" dt="2020-10-15T15:26:23.161"/>
   </p1510:revLst>
 </p1510:revInfo>
 </file>
@@ -252,7 +252,7 @@
   <pc:docChgLst>
     <pc:chgData name="Andras Garzo" userId="6941d427-6f90-49b9-905d-70883a33c961" providerId="ADAL" clId="{85E3E36A-92D7-4D2E-814A-364BE6DE2E74}"/>
     <pc:docChg chg="undo custSel mod addSld delSld modSld sldOrd addSection modSection modShowInfo">
-      <pc:chgData name="Andras Garzo" userId="6941d427-6f90-49b9-905d-70883a33c961" providerId="ADAL" clId="{85E3E36A-92D7-4D2E-814A-364BE6DE2E74}" dt="2020-10-15T15:13:59.933" v="9313" actId="2744"/>
+      <pc:chgData name="Andras Garzo" userId="6941d427-6f90-49b9-905d-70883a33c961" providerId="ADAL" clId="{85E3E36A-92D7-4D2E-814A-364BE6DE2E74}" dt="2020-10-15T15:26:43.616" v="9340" actId="20577"/>
       <pc:docMkLst>
         <pc:docMk/>
       </pc:docMkLst>
@@ -2205,7 +2205,7 @@
         </pc:spChg>
       </pc:sldChg>
       <pc:sldChg chg="addSp delSp modSp new mod">
-        <pc:chgData name="Andras Garzo" userId="6941d427-6f90-49b9-905d-70883a33c961" providerId="ADAL" clId="{85E3E36A-92D7-4D2E-814A-364BE6DE2E74}" dt="2020-10-15T13:54:43.739" v="8724" actId="13822"/>
+        <pc:chgData name="Andras Garzo" userId="6941d427-6f90-49b9-905d-70883a33c961" providerId="ADAL" clId="{85E3E36A-92D7-4D2E-814A-364BE6DE2E74}" dt="2020-10-15T15:26:43.616" v="9340" actId="20577"/>
         <pc:sldMkLst>
           <pc:docMk/>
           <pc:sldMk cId="108610386" sldId="313"/>
@@ -2243,7 +2243,7 @@
           </ac:spMkLst>
         </pc:spChg>
         <pc:spChg chg="add mod">
-          <ac:chgData name="Andras Garzo" userId="6941d427-6f90-49b9-905d-70883a33c961" providerId="ADAL" clId="{85E3E36A-92D7-4D2E-814A-364BE6DE2E74}" dt="2020-10-15T13:51:02.642" v="8478" actId="1076"/>
+          <ac:chgData name="Andras Garzo" userId="6941d427-6f90-49b9-905d-70883a33c961" providerId="ADAL" clId="{85E3E36A-92D7-4D2E-814A-364BE6DE2E74}" dt="2020-10-15T15:26:30.538" v="9328" actId="1076"/>
           <ac:spMkLst>
             <pc:docMk/>
             <pc:sldMk cId="108610386" sldId="313"/>
@@ -2320,6 +2320,30 @@
             <pc:docMk/>
             <pc:sldMk cId="108610386" sldId="313"/>
             <ac:spMk id="29" creationId="{A6FC7AFA-4C15-41EA-9B5A-8C37B122DF9C}"/>
+          </ac:spMkLst>
+        </pc:spChg>
+        <pc:spChg chg="add mod">
+          <ac:chgData name="Andras Garzo" userId="6941d427-6f90-49b9-905d-70883a33c961" providerId="ADAL" clId="{85E3E36A-92D7-4D2E-814A-364BE6DE2E74}" dt="2020-10-15T15:26:43.616" v="9340" actId="20577"/>
+          <ac:spMkLst>
+            <pc:docMk/>
+            <pc:sldMk cId="108610386" sldId="313"/>
+            <ac:spMk id="32" creationId="{EA9FAA8D-ED64-420B-A42C-E25DF84B475F}"/>
+          </ac:spMkLst>
+        </pc:spChg>
+        <pc:spChg chg="add mod">
+          <ac:chgData name="Andras Garzo" userId="6941d427-6f90-49b9-905d-70883a33c961" providerId="ADAL" clId="{85E3E36A-92D7-4D2E-814A-364BE6DE2E74}" dt="2020-10-15T15:26:37.296" v="9335" actId="20577"/>
+          <ac:spMkLst>
+            <pc:docMk/>
+            <pc:sldMk cId="108610386" sldId="313"/>
+            <ac:spMk id="34" creationId="{63F3317A-78EC-49B4-81C6-A23694A2B410}"/>
+          </ac:spMkLst>
+        </pc:spChg>
+        <pc:spChg chg="add mod">
+          <ac:chgData name="Andras Garzo" userId="6941d427-6f90-49b9-905d-70883a33c961" providerId="ADAL" clId="{85E3E36A-92D7-4D2E-814A-364BE6DE2E74}" dt="2020-10-15T15:26:41.085" v="9337" actId="1076"/>
+          <ac:spMkLst>
+            <pc:docMk/>
+            <pc:sldMk cId="108610386" sldId="313"/>
+            <ac:spMk id="36" creationId="{E997AB4F-DA3E-47AE-9445-522B1D584054}"/>
           </ac:spMkLst>
         </pc:spChg>
         <pc:cxnChg chg="add mod">
@@ -30762,6 +30786,118 @@
           </a:fontRef>
         </p:style>
       </p:cxnSp>
+      <p:sp>
+        <p:nvSpPr>
+          <p:cNvPr id="32" name="TextBox 31">
+            <a:extLst>
+              <a:ext uri="{FF2B5EF4-FFF2-40B4-BE49-F238E27FC236}">
+                <a16:creationId xmlns:a16="http://schemas.microsoft.com/office/drawing/2014/main" id="{EA9FAA8D-ED64-420B-A42C-E25DF84B475F}"/>
+              </a:ext>
+            </a:extLst>
+          </p:cNvPr>
+          <p:cNvSpPr txBox="1"/>
+          <p:nvPr/>
+        </p:nvSpPr>
+        <p:spPr>
+          <a:xfrm>
+            <a:off x="1990384" y="5044341"/>
+            <a:ext cx="1584960" cy="369332"/>
+          </a:xfrm>
+          <a:prstGeom prst="rect">
+            <a:avLst/>
+          </a:prstGeom>
+          <a:noFill/>
+        </p:spPr>
+        <p:txBody>
+          <a:bodyPr wrap="square" rtlCol="0">
+            <a:spAutoFit/>
+          </a:bodyPr>
+          <a:lstStyle/>
+          <a:p>
+            <a:r>
+              <a:rPr lang="en-US"/>
+              <a:t>log_</a:t>
+            </a:r>
+            <a:r>
+              <a:rPr lang="en-US" dirty="0" err="1"/>
+              <a:t>df</a:t>
+            </a:r>
+            <a:endParaRPr lang="en-US" dirty="0"/>
+          </a:p>
+        </p:txBody>
+      </p:sp>
+      <p:sp>
+        <p:nvSpPr>
+          <p:cNvPr id="34" name="TextBox 33">
+            <a:extLst>
+              <a:ext uri="{FF2B5EF4-FFF2-40B4-BE49-F238E27FC236}">
+                <a16:creationId xmlns:a16="http://schemas.microsoft.com/office/drawing/2014/main" id="{63F3317A-78EC-49B4-81C6-A23694A2B410}"/>
+              </a:ext>
+            </a:extLst>
+          </p:cNvPr>
+          <p:cNvSpPr txBox="1"/>
+          <p:nvPr/>
+        </p:nvSpPr>
+        <p:spPr>
+          <a:xfrm>
+            <a:off x="9234765" y="4857212"/>
+            <a:ext cx="1584960" cy="369332"/>
+          </a:xfrm>
+          <a:prstGeom prst="rect">
+            <a:avLst/>
+          </a:prstGeom>
+          <a:noFill/>
+        </p:spPr>
+        <p:txBody>
+          <a:bodyPr wrap="square" rtlCol="0">
+            <a:spAutoFit/>
+          </a:bodyPr>
+          <a:lstStyle/>
+          <a:p>
+            <a:r>
+              <a:rPr lang="en-US" dirty="0" err="1"/>
+              <a:t>stat_df</a:t>
+            </a:r>
+            <a:endParaRPr lang="en-US" dirty="0"/>
+          </a:p>
+        </p:txBody>
+      </p:sp>
+      <p:sp>
+        <p:nvSpPr>
+          <p:cNvPr id="36" name="TextBox 35">
+            <a:extLst>
+              <a:ext uri="{FF2B5EF4-FFF2-40B4-BE49-F238E27FC236}">
+                <a16:creationId xmlns:a16="http://schemas.microsoft.com/office/drawing/2014/main" id="{E997AB4F-DA3E-47AE-9445-522B1D584054}"/>
+              </a:ext>
+            </a:extLst>
+          </p:cNvPr>
+          <p:cNvSpPr txBox="1"/>
+          <p:nvPr/>
+        </p:nvSpPr>
+        <p:spPr>
+          <a:xfrm>
+            <a:off x="9288839" y="2798961"/>
+            <a:ext cx="1584960" cy="369332"/>
+          </a:xfrm>
+          <a:prstGeom prst="rect">
+            <a:avLst/>
+          </a:prstGeom>
+          <a:noFill/>
+        </p:spPr>
+        <p:txBody>
+          <a:bodyPr wrap="square" rtlCol="0">
+            <a:spAutoFit/>
+          </a:bodyPr>
+          <a:lstStyle/>
+          <a:p>
+            <a:r>
+              <a:rPr lang="en-US" dirty="0" err="1"/>
+              <a:t>alarm_df</a:t>
+            </a:r>
+            <a:endParaRPr lang="en-US" dirty="0"/>
+          </a:p>
+        </p:txBody>
+      </p:sp>
     </p:spTree>
     <p:extLst>
       <p:ext uri="{BB962C8B-B14F-4D97-AF65-F5344CB8AC3E}">
